--- a/GitConda.pptx
+++ b/GitConda.pptx
@@ -10,12 +10,9 @@
     <p:sldId id="258" r:id="rId4"/>
     <p:sldId id="257" r:id="rId5"/>
     <p:sldId id="268" r:id="rId6"/>
-    <p:sldId id="259" r:id="rId7"/>
-    <p:sldId id="263" r:id="rId8"/>
-    <p:sldId id="264" r:id="rId9"/>
-    <p:sldId id="265" r:id="rId10"/>
-    <p:sldId id="266" r:id="rId11"/>
-    <p:sldId id="267" r:id="rId12"/>
+    <p:sldId id="270" r:id="rId7"/>
+    <p:sldId id="269" r:id="rId8"/>
+    <p:sldId id="259" r:id="rId9"/>
   </p:sldIdLst>
   <p:sldSz cx="12192000" cy="6858000"/>
   <p:notesSz cx="6858000" cy="9144000"/>
@@ -5371,30 +5368,19 @@
             <p:ph type="ctrTitle"/>
           </p:nvPr>
         </p:nvSpPr>
-        <p:spPr/>
+        <p:spPr>
+          <a:xfrm>
+            <a:off x="182880" y="1449147"/>
+            <a:ext cx="11874137" cy="2971051"/>
+          </a:xfrm>
+        </p:spPr>
         <p:txBody>
           <a:bodyPr/>
           <a:lstStyle/>
           <a:p>
             <a:r>
               <a:rPr lang="nl-NL" dirty="0"/>
-              <a:t>BBDA: </a:t>
-            </a:r>
-            <a:r>
-              <a:rPr lang="nl-NL" dirty="0" err="1"/>
-              <a:t>tooling</a:t>
-            </a:r>
-            <a:r>
-              <a:rPr lang="nl-NL" dirty="0"/>
-              <a:t> </a:t>
-            </a:r>
-            <a:r>
-              <a:rPr lang="nl-NL" dirty="0" err="1"/>
-              <a:t>and</a:t>
-            </a:r>
-            <a:r>
-              <a:rPr lang="nl-NL" dirty="0"/>
-              <a:t> setup</a:t>
+              <a:t>BBDA: tool &amp; data management</a:t>
             </a:r>
             <a:endParaRPr lang="en-GB" dirty="0"/>
           </a:p>
@@ -5433,319 +5419,6 @@
     <p:extLst>
       <p:ext uri="{BB962C8B-B14F-4D97-AF65-F5344CB8AC3E}">
         <p14:creationId xmlns:p14="http://schemas.microsoft.com/office/powerpoint/2010/main" val="3396683550"/>
-      </p:ext>
-    </p:extLst>
-  </p:cSld>
-  <p:clrMapOvr>
-    <a:masterClrMapping/>
-  </p:clrMapOvr>
-</p:sld>
-</file>
-
-<file path=ppt/slides/slide10.xml><?xml version="1.0" encoding="utf-8"?>
-<p:sld xmlns:a="http://schemas.openxmlformats.org/drawingml/2006/main" xmlns:r="http://schemas.openxmlformats.org/officeDocument/2006/relationships" xmlns:p="http://schemas.openxmlformats.org/presentationml/2006/main">
-  <p:cSld>
-    <p:spTree>
-      <p:nvGrpSpPr>
-        <p:cNvPr id="1" name=""/>
-        <p:cNvGrpSpPr/>
-        <p:nvPr/>
-      </p:nvGrpSpPr>
-      <p:grpSpPr>
-        <a:xfrm>
-          <a:off x="0" y="0"/>
-          <a:ext cx="0" cy="0"/>
-          <a:chOff x="0" y="0"/>
-          <a:chExt cx="0" cy="0"/>
-        </a:xfrm>
-      </p:grpSpPr>
-      <p:sp>
-        <p:nvSpPr>
-          <p:cNvPr id="2" name="Titel 1">
-            <a:extLst>
-              <a:ext uri="{FF2B5EF4-FFF2-40B4-BE49-F238E27FC236}">
-                <a16:creationId xmlns:a16="http://schemas.microsoft.com/office/drawing/2014/main" id="{A5A16DD0-E72C-489B-BD6E-F755D7DF5528}"/>
-              </a:ext>
-            </a:extLst>
-          </p:cNvPr>
-          <p:cNvSpPr>
-            <a:spLocks noGrp="1"/>
-          </p:cNvSpPr>
-          <p:nvPr>
-            <p:ph type="title"/>
-          </p:nvPr>
-        </p:nvSpPr>
-        <p:spPr/>
-        <p:txBody>
-          <a:bodyPr/>
-          <a:lstStyle/>
-          <a:p>
-            <a:r>
-              <a:rPr lang="en-US" dirty="0"/>
-              <a:t>Assignment</a:t>
-            </a:r>
-          </a:p>
-        </p:txBody>
-      </p:sp>
-      <p:sp>
-        <p:nvSpPr>
-          <p:cNvPr id="3" name="Tijdelijke aanduiding voor inhoud 2">
-            <a:extLst>
-              <a:ext uri="{FF2B5EF4-FFF2-40B4-BE49-F238E27FC236}">
-                <a16:creationId xmlns:a16="http://schemas.microsoft.com/office/drawing/2014/main" id="{D10CB68B-D3B3-4B6C-8978-CD31A6C764BE}"/>
-              </a:ext>
-            </a:extLst>
-          </p:cNvPr>
-          <p:cNvSpPr>
-            <a:spLocks noGrp="1"/>
-          </p:cNvSpPr>
-          <p:nvPr>
-            <p:ph idx="1"/>
-          </p:nvPr>
-        </p:nvSpPr>
-        <p:spPr/>
-        <p:txBody>
-          <a:bodyPr/>
-          <a:lstStyle/>
-          <a:p>
-            <a:r>
-              <a:rPr lang="en-US" dirty="0"/>
-              <a:t>https://sils-pub.science.uva.nl/mad/education/BBDA/bioinformatics/Slurm2021.html</a:t>
-            </a:r>
-          </a:p>
-          <a:p>
-            <a:endParaRPr lang="en-US" dirty="0"/>
-          </a:p>
-        </p:txBody>
-      </p:sp>
-    </p:spTree>
-    <p:extLst>
-      <p:ext uri="{BB962C8B-B14F-4D97-AF65-F5344CB8AC3E}">
-        <p14:creationId xmlns:p14="http://schemas.microsoft.com/office/powerpoint/2010/main" val="1590318590"/>
-      </p:ext>
-    </p:extLst>
-  </p:cSld>
-  <p:clrMapOvr>
-    <a:masterClrMapping/>
-  </p:clrMapOvr>
-</p:sld>
-</file>
-
-<file path=ppt/slides/slide11.xml><?xml version="1.0" encoding="utf-8"?>
-<p:sld xmlns:a="http://schemas.openxmlformats.org/drawingml/2006/main" xmlns:r="http://schemas.openxmlformats.org/officeDocument/2006/relationships" xmlns:p="http://schemas.openxmlformats.org/presentationml/2006/main">
-  <p:cSld>
-    <p:spTree>
-      <p:nvGrpSpPr>
-        <p:cNvPr id="1" name=""/>
-        <p:cNvGrpSpPr/>
-        <p:nvPr/>
-      </p:nvGrpSpPr>
-      <p:grpSpPr>
-        <a:xfrm>
-          <a:off x="0" y="0"/>
-          <a:ext cx="0" cy="0"/>
-          <a:chOff x="0" y="0"/>
-          <a:chExt cx="0" cy="0"/>
-        </a:xfrm>
-      </p:grpSpPr>
-      <p:sp>
-        <p:nvSpPr>
-          <p:cNvPr id="2" name="Titel 1">
-            <a:extLst>
-              <a:ext uri="{FF2B5EF4-FFF2-40B4-BE49-F238E27FC236}">
-                <a16:creationId xmlns:a16="http://schemas.microsoft.com/office/drawing/2014/main" id="{E835A106-05D4-4D66-8AC9-E351DFD45F9C}"/>
-              </a:ext>
-            </a:extLst>
-          </p:cNvPr>
-          <p:cNvSpPr>
-            <a:spLocks noGrp="1"/>
-          </p:cNvSpPr>
-          <p:nvPr>
-            <p:ph type="title"/>
-          </p:nvPr>
-        </p:nvSpPr>
-        <p:spPr/>
-        <p:txBody>
-          <a:bodyPr/>
-          <a:lstStyle/>
-          <a:p>
-            <a:r>
-              <a:rPr lang="en-US" dirty="0"/>
-              <a:t>Most common mistakes</a:t>
-            </a:r>
-          </a:p>
-        </p:txBody>
-      </p:sp>
-      <p:sp>
-        <p:nvSpPr>
-          <p:cNvPr id="3" name="Tijdelijke aanduiding voor inhoud 2">
-            <a:extLst>
-              <a:ext uri="{FF2B5EF4-FFF2-40B4-BE49-F238E27FC236}">
-                <a16:creationId xmlns:a16="http://schemas.microsoft.com/office/drawing/2014/main" id="{EA1EEEDD-15F9-4D06-9ABF-7C520CA2D2B3}"/>
-              </a:ext>
-            </a:extLst>
-          </p:cNvPr>
-          <p:cNvSpPr>
-            <a:spLocks noGrp="1"/>
-          </p:cNvSpPr>
-          <p:nvPr>
-            <p:ph idx="1"/>
-          </p:nvPr>
-        </p:nvSpPr>
-        <p:spPr>
-          <a:xfrm>
-            <a:off x="818712" y="2222287"/>
-            <a:ext cx="11042362" cy="4188525"/>
-          </a:xfrm>
-        </p:spPr>
-        <p:txBody>
-          <a:bodyPr>
-            <a:normAutofit lnSpcReduction="10000"/>
-          </a:bodyPr>
-          <a:lstStyle/>
-          <a:p>
-            <a:r>
-              <a:rPr lang="en-US" dirty="0"/>
-              <a:t>No memory allocation</a:t>
-            </a:r>
-          </a:p>
-          <a:p>
-            <a:pPr lvl="1"/>
-            <a:r>
-              <a:rPr lang="en-US" dirty="0"/>
-              <a:t>Default allocation 100MB</a:t>
-            </a:r>
-          </a:p>
-          <a:p>
-            <a:pPr lvl="1"/>
-            <a:r>
-              <a:rPr lang="en-US" dirty="0"/>
-              <a:t>Some programs simply stop with error other continue </a:t>
-            </a:r>
-            <a:r>
-              <a:rPr lang="en-US" dirty="0" err="1"/>
-              <a:t>verrrrry</a:t>
-            </a:r>
-            <a:r>
-              <a:rPr lang="en-US" dirty="0"/>
-              <a:t> slowly using disk as  </a:t>
-            </a:r>
-            <a:r>
-              <a:rPr lang="en-US" dirty="0" err="1"/>
-              <a:t>mermory</a:t>
-            </a:r>
-            <a:r>
-              <a:rPr lang="en-US" dirty="0"/>
-              <a:t>.</a:t>
-            </a:r>
-          </a:p>
-          <a:p>
-            <a:pPr lvl="1"/>
-            <a:r>
-              <a:rPr lang="en-US" dirty="0"/>
-              <a:t>Use –mem or –mem-per-</a:t>
-            </a:r>
-            <a:r>
-              <a:rPr lang="en-US" dirty="0" err="1"/>
-              <a:t>cpu</a:t>
-            </a:r>
-            <a:r>
-              <a:rPr lang="en-US" dirty="0"/>
-              <a:t>  to specify memory</a:t>
-            </a:r>
-          </a:p>
-          <a:p>
-            <a:r>
-              <a:rPr lang="en-US" dirty="0"/>
-              <a:t>Over allocation of </a:t>
-            </a:r>
-            <a:r>
-              <a:rPr lang="en-US" dirty="0" err="1"/>
-              <a:t>cpu</a:t>
-            </a:r>
-            <a:endParaRPr lang="en-US" dirty="0"/>
-          </a:p>
-          <a:p>
-            <a:pPr lvl="1"/>
-            <a:r>
-              <a:rPr lang="en-US" dirty="0"/>
-              <a:t>Use top or </a:t>
-            </a:r>
-            <a:r>
-              <a:rPr lang="en-US" dirty="0" err="1"/>
-              <a:t>htop</a:t>
-            </a:r>
-            <a:r>
-              <a:rPr lang="en-US" dirty="0"/>
-              <a:t> on node to check if allocation is filled</a:t>
-            </a:r>
-          </a:p>
-          <a:p>
-            <a:r>
-              <a:rPr lang="en-US" dirty="0" err="1"/>
-              <a:t>Forgetten</a:t>
-            </a:r>
-            <a:r>
-              <a:rPr lang="en-US" dirty="0"/>
-              <a:t> interactive allocations </a:t>
-            </a:r>
-          </a:p>
-          <a:p>
-            <a:pPr lvl="1"/>
-            <a:r>
-              <a:rPr lang="en-US" dirty="0"/>
-              <a:t>Using a –time  with all your jobs </a:t>
-            </a:r>
-          </a:p>
-          <a:p>
-            <a:r>
-              <a:rPr lang="en-US" dirty="0"/>
-              <a:t>Filling up /</a:t>
-            </a:r>
-            <a:r>
-              <a:rPr lang="en-US" dirty="0" err="1"/>
-              <a:t>tmp</a:t>
-            </a:r>
-            <a:r>
-              <a:rPr lang="en-US" dirty="0"/>
-              <a:t> on compute node </a:t>
-            </a:r>
-          </a:p>
-          <a:p>
-            <a:pPr lvl="1"/>
-            <a:r>
-              <a:rPr lang="en-US" dirty="0"/>
-              <a:t>Use /scratch,  Set TMPDIR variable to /scratch  </a:t>
-            </a:r>
-          </a:p>
-          <a:p>
-            <a:r>
-              <a:rPr lang="en-US" dirty="0">
-                <a:solidFill>
-                  <a:srgbClr val="FFFF00"/>
-                </a:solidFill>
-              </a:rPr>
-              <a:t>Tip:</a:t>
-            </a:r>
-            <a:r>
-              <a:rPr lang="en-US" dirty="0"/>
-              <a:t>  While a job is running,  </a:t>
-            </a:r>
-            <a:r>
-              <a:rPr lang="en-US" dirty="0" err="1"/>
-              <a:t>ssh</a:t>
-            </a:r>
-            <a:r>
-              <a:rPr lang="en-US" dirty="0"/>
-              <a:t> to the node is possible, use (h)top –u  $USER to check processes </a:t>
-            </a:r>
-          </a:p>
-        </p:txBody>
-      </p:sp>
-    </p:spTree>
-    <p:extLst>
-      <p:ext uri="{BB962C8B-B14F-4D97-AF65-F5344CB8AC3E}">
-        <p14:creationId xmlns:p14="http://schemas.microsoft.com/office/powerpoint/2010/main" val="1148004568"/>
       </p:ext>
     </p:extLst>
   </p:cSld>
@@ -5823,13 +5496,8 @@
           <a:p>
             <a:r>
               <a:rPr lang="en-US" dirty="0"/>
-              <a:t>9:30  Lecture </a:t>
-            </a:r>
-            <a:r>
-              <a:rPr lang="en-US" dirty="0" err="1"/>
-              <a:t>ntroduction</a:t>
-            </a:r>
-            <a:endParaRPr lang="en-US" dirty="0"/>
+              <a:t>9:30  Lecture introduction</a:t>
+            </a:r>
           </a:p>
           <a:p>
             <a:r>
@@ -6018,7 +5686,7 @@
           <a:p>
             <a:r>
               <a:rPr lang="en-US" dirty="0"/>
-              <a:t>Data and project management</a:t>
+              <a:t>Data management</a:t>
             </a:r>
           </a:p>
         </p:txBody>
@@ -6051,25 +5719,63 @@
           </a:bodyPr>
           <a:lstStyle/>
           <a:p>
-            <a:endParaRPr lang="en-US" dirty="0"/>
-          </a:p>
-          <a:p>
             <a:r>
               <a:rPr lang="en-US" dirty="0"/>
-              <a:t>analysis process consists of steps  with lots of intermediate data</a:t>
-            </a:r>
-          </a:p>
-          <a:p>
+              <a:t>Analysis process consists of steps  with lots of intermediate data</a:t>
+            </a:r>
+          </a:p>
+          <a:p>
+            <a:pPr lvl="1"/>
             <a:r>
               <a:rPr lang="en-US" dirty="0"/>
-              <a:t>Plan and organize data during project</a:t>
+              <a:t>Hard to understand data without description</a:t>
             </a:r>
           </a:p>
           <a:p>
             <a:pPr lvl="1"/>
             <a:r>
               <a:rPr lang="en-US" dirty="0"/>
-              <a:t>Store raw data  and process description to get end results </a:t>
+              <a:t>Storage costs money</a:t>
+            </a:r>
+          </a:p>
+          <a:p>
+            <a:r>
+              <a:rPr lang="en-US" dirty="0"/>
+              <a:t>Plan and organize data during  the lifetime of a project</a:t>
+            </a:r>
+          </a:p>
+          <a:p>
+            <a:pPr lvl="1"/>
+            <a:r>
+              <a:rPr lang="en-US" dirty="0"/>
+              <a:t>Distinguish  temporary data from data which should be kept</a:t>
+            </a:r>
+          </a:p>
+          <a:p>
+            <a:pPr lvl="1"/>
+            <a:r>
+              <a:rPr lang="en-US" dirty="0"/>
+              <a:t>Ideally:  raw data and code with process description which can be run to get end results</a:t>
+            </a:r>
+          </a:p>
+          <a:p>
+            <a:pPr lvl="1"/>
+            <a:r>
+              <a:rPr lang="en-US" dirty="0"/>
+              <a:t>Add metadata: write comments and document  the content of all  data files</a:t>
+            </a:r>
+          </a:p>
+          <a:p>
+            <a:pPr lvl="1"/>
+            <a:r>
+              <a:rPr lang="en-US" dirty="0"/>
+              <a:t>Avoid manual tweaks of the data in the pipeline  </a:t>
+            </a:r>
+          </a:p>
+          <a:p>
+            <a:r>
+              <a:rPr lang="en-US" dirty="0"/>
+              <a:t>Clean at the end</a:t>
             </a:r>
           </a:p>
           <a:p>
@@ -6133,8 +5839,12 @@
           <a:lstStyle/>
           <a:p>
             <a:r>
+              <a:rPr lang="en-US" dirty="0"/>
+              <a:t>Software management: </a:t>
+            </a:r>
+            <a:r>
               <a:rPr lang="en-US" dirty="0" err="1"/>
-              <a:t>Conda</a:t>
+              <a:t>conda</a:t>
             </a:r>
             <a:endParaRPr lang="en-US" dirty="0"/>
           </a:p>
@@ -6163,28 +5873,42 @@
           <a:p>
             <a:r>
               <a:rPr lang="en-US" dirty="0"/>
-              <a:t>User control over installation of tools  </a:t>
+              <a:t>User controlled installation of tools: no admin privileges needed</a:t>
             </a:r>
           </a:p>
           <a:p>
             <a:pPr lvl="1"/>
             <a:r>
               <a:rPr lang="en-US" dirty="0"/>
-              <a:t>Programs </a:t>
+              <a:t>Large collection of tools and programs </a:t>
             </a:r>
           </a:p>
           <a:p>
             <a:pPr lvl="1"/>
             <a:r>
               <a:rPr lang="en-US" dirty="0"/>
-              <a:t>Control over versions of programs </a:t>
+              <a:t>Control over versions of programs  and libraries. </a:t>
             </a:r>
           </a:p>
           <a:p>
             <a:pPr lvl="1"/>
             <a:r>
               <a:rPr lang="en-US" dirty="0"/>
-              <a:t>Separate environments for different tools </a:t>
+              <a:t>Separate environments for different tools</a:t>
+            </a:r>
+          </a:p>
+          <a:p>
+            <a:pPr lvl="1"/>
+            <a:r>
+              <a:rPr lang="en-US" dirty="0"/>
+              <a:t>Environments can be complicated,  it usually works, debugging hard. </a:t>
+            </a:r>
+          </a:p>
+          <a:p>
+            <a:pPr lvl="1"/>
+            <a:r>
+              <a:rPr lang="en-US" dirty="0"/>
+              <a:t>storage space needed,  usually small compared to data</a:t>
             </a:r>
           </a:p>
         </p:txBody>
@@ -6224,7 +5948,7 @@
           <p:cNvPr id="2" name="Titel 1">
             <a:extLst>
               <a:ext uri="{FF2B5EF4-FFF2-40B4-BE49-F238E27FC236}">
-                <a16:creationId xmlns:a16="http://schemas.microsoft.com/office/drawing/2014/main" id="{9C7DB70D-9CE3-4D62-837F-2DB44020DDFA}"/>
+                <a16:creationId xmlns:a16="http://schemas.microsoft.com/office/drawing/2014/main" id="{23A848F1-BDD4-4CD7-947D-9286A281C19E}"/>
               </a:ext>
             </a:extLst>
           </p:cNvPr>
@@ -6242,7 +5966,7 @@
           <a:p>
             <a:r>
               <a:rPr lang="en-US" dirty="0"/>
-              <a:t>Practical</a:t>
+              <a:t>Software management</a:t>
             </a:r>
           </a:p>
         </p:txBody>
@@ -6252,7 +5976,7 @@
           <p:cNvPr id="3" name="Tijdelijke aanduiding voor inhoud 2">
             <a:extLst>
               <a:ext uri="{FF2B5EF4-FFF2-40B4-BE49-F238E27FC236}">
-                <a16:creationId xmlns:a16="http://schemas.microsoft.com/office/drawing/2014/main" id="{50A491D1-4251-4F79-91DD-BE7F6F7E1CD0}"/>
+                <a16:creationId xmlns:a16="http://schemas.microsoft.com/office/drawing/2014/main" id="{18C82309-55FF-465C-B13F-9C4465D937AE}"/>
               </a:ext>
             </a:extLst>
           </p:cNvPr>
@@ -6263,36 +5987,46 @@
             <p:ph idx="1"/>
           </p:nvPr>
         </p:nvSpPr>
-        <p:spPr>
-          <a:xfrm>
-            <a:off x="818711" y="2222287"/>
-            <a:ext cx="10924797" cy="3636511"/>
-          </a:xfrm>
-        </p:spPr>
+        <p:spPr/>
         <p:txBody>
           <a:bodyPr/>
           <a:lstStyle/>
           <a:p>
             <a:r>
-              <a:rPr lang="en-GB" dirty="0">
-                <a:hlinkClick r:id="rId2"/>
-              </a:rPr>
-              <a:t>https://sils-pub.science.uva.nl/mad/education/BBDA/bioinformatics/SnakemakeTutStart.html</a:t>
-            </a:r>
-            <a:endParaRPr lang="en-GB" dirty="0"/>
-          </a:p>
-          <a:p>
-            <a:pPr marL="0" indent="0">
-              <a:buNone/>
-            </a:pPr>
-            <a:endParaRPr lang="en-US" dirty="0"/>
+              <a:rPr lang="en-US" dirty="0"/>
+              <a:t>Downloading and compiling code </a:t>
+            </a:r>
+          </a:p>
+          <a:p>
+            <a:r>
+              <a:rPr lang="en-US" dirty="0"/>
+              <a:t>Running virtual machine images</a:t>
+            </a:r>
+          </a:p>
+          <a:p>
+            <a:pPr lvl="1"/>
+            <a:r>
+              <a:rPr lang="en-US" dirty="0"/>
+              <a:t> General: Docker</a:t>
+            </a:r>
+          </a:p>
+          <a:p>
+            <a:pPr lvl="1"/>
+            <a:r>
+              <a:rPr lang="en-US" dirty="0" err="1"/>
+              <a:t>Crunchomics</a:t>
+            </a:r>
+            <a:r>
+              <a:rPr lang="en-US" dirty="0"/>
+              <a:t>: Singularity</a:t>
+            </a:r>
           </a:p>
         </p:txBody>
       </p:sp>
     </p:spTree>
     <p:extLst>
       <p:ext uri="{BB962C8B-B14F-4D97-AF65-F5344CB8AC3E}">
-        <p14:creationId xmlns:p14="http://schemas.microsoft.com/office/powerpoint/2010/main" val="2939930269"/>
+        <p14:creationId xmlns:p14="http://schemas.microsoft.com/office/powerpoint/2010/main" val="634612420"/>
       </p:ext>
     </p:extLst>
   </p:cSld>
@@ -6324,7 +6058,7 @@
           <p:cNvPr id="2" name="Titel 1">
             <a:extLst>
               <a:ext uri="{FF2B5EF4-FFF2-40B4-BE49-F238E27FC236}">
-                <a16:creationId xmlns:a16="http://schemas.microsoft.com/office/drawing/2014/main" id="{50A05844-E71A-4CF2-B08C-F880B192BD8C}"/>
+                <a16:creationId xmlns:a16="http://schemas.microsoft.com/office/drawing/2014/main" id="{6074FF8D-2BFA-42B5-9C8A-2A575A7A9E70}"/>
               </a:ext>
             </a:extLst>
           </p:cNvPr>
@@ -6341,10 +6075,9 @@
           <a:lstStyle/>
           <a:p>
             <a:r>
-              <a:rPr lang="en-US" dirty="0" err="1"/>
-              <a:t>Slurm</a:t>
-            </a:r>
-            <a:endParaRPr lang="en-US" dirty="0"/>
+              <a:rPr lang="en-US" dirty="0"/>
+              <a:t>Development and distribution: Git(hub) </a:t>
+            </a:r>
           </a:p>
         </p:txBody>
       </p:sp>
@@ -6353,7 +6086,7 @@
           <p:cNvPr id="3" name="Tijdelijke aanduiding voor inhoud 2">
             <a:extLst>
               <a:ext uri="{FF2B5EF4-FFF2-40B4-BE49-F238E27FC236}">
-                <a16:creationId xmlns:a16="http://schemas.microsoft.com/office/drawing/2014/main" id="{6E9C2FD0-59A3-4F43-B746-CD4609282E5C}"/>
+                <a16:creationId xmlns:a16="http://schemas.microsoft.com/office/drawing/2014/main" id="{28BC0A37-151B-4643-9D93-195A25B73B97}"/>
               </a:ext>
             </a:extLst>
           </p:cNvPr>
@@ -6371,39 +6104,47 @@
           <a:p>
             <a:r>
               <a:rPr lang="en-US" dirty="0"/>
-              <a:t>Need for managing shared computing resources</a:t>
+              <a:t>During analysis: incremental code development</a:t>
             </a:r>
           </a:p>
           <a:p>
             <a:r>
               <a:rPr lang="en-US" dirty="0"/>
-              <a:t>Functions of </a:t>
+              <a:t>Tracking changes</a:t>
+            </a:r>
+          </a:p>
+          <a:p>
+            <a:pPr lvl="1"/>
+            <a:r>
+              <a:rPr lang="en-US" dirty="0"/>
+              <a:t>Restore from older revision if change does not work</a:t>
+            </a:r>
+          </a:p>
+          <a:p>
+            <a:pPr lvl="1"/>
+            <a:r>
+              <a:rPr lang="en-US" dirty="0"/>
+              <a:t>Develop and run code  concurrently </a:t>
+            </a:r>
+          </a:p>
+          <a:p>
+            <a:r>
+              <a:rPr lang="en-US" dirty="0"/>
+              <a:t>Cooperative development team working on code</a:t>
+            </a:r>
+          </a:p>
+          <a:p>
+            <a:r>
+              <a:rPr lang="en-US" dirty="0"/>
+              <a:t>Code distribution:  getting stuff from (or to) </a:t>
             </a:r>
             <a:r>
               <a:rPr lang="en-US" dirty="0" err="1"/>
-              <a:t>Slurm</a:t>
-            </a:r>
-            <a:endParaRPr lang="en-US" dirty="0"/>
-          </a:p>
-          <a:p>
-            <a:pPr lvl="1"/>
-            <a:r>
-              <a:rPr lang="en-GB" dirty="0"/>
-              <a:t>Maintain a queue of work</a:t>
-            </a:r>
-          </a:p>
-          <a:p>
-            <a:pPr lvl="1"/>
-            <a:r>
-              <a:rPr lang="en-GB" dirty="0"/>
-              <a:t>Allocation of resources to users</a:t>
-            </a:r>
-          </a:p>
-          <a:p>
-            <a:pPr lvl="1"/>
-            <a:r>
-              <a:rPr lang="en-GB" dirty="0"/>
-              <a:t>Execute and monitor work (jobs) on the resources</a:t>
+              <a:t>Github</a:t>
+            </a:r>
+            <a:r>
+              <a:rPr lang="en-US" dirty="0"/>
+              <a:t>.    </a:t>
             </a:r>
           </a:p>
         </p:txBody>
@@ -6411,7 +6152,7 @@
     </p:spTree>
     <p:extLst>
       <p:ext uri="{BB962C8B-B14F-4D97-AF65-F5344CB8AC3E}">
-        <p14:creationId xmlns:p14="http://schemas.microsoft.com/office/powerpoint/2010/main" val="2702811381"/>
+        <p14:creationId xmlns:p14="http://schemas.microsoft.com/office/powerpoint/2010/main" val="1574802423"/>
       </p:ext>
     </p:extLst>
   </p:cSld>
@@ -6443,7 +6184,7 @@
           <p:cNvPr id="2" name="Titel 1">
             <a:extLst>
               <a:ext uri="{FF2B5EF4-FFF2-40B4-BE49-F238E27FC236}">
-                <a16:creationId xmlns:a16="http://schemas.microsoft.com/office/drawing/2014/main" id="{5754108E-83A2-481F-AF78-92FF38DC4044}"/>
+                <a16:creationId xmlns:a16="http://schemas.microsoft.com/office/drawing/2014/main" id="{9C7DB70D-9CE3-4D62-837F-2DB44020DDFA}"/>
               </a:ext>
             </a:extLst>
           </p:cNvPr>
@@ -6461,7 +6202,7 @@
           <a:p>
             <a:r>
               <a:rPr lang="en-US" dirty="0"/>
-              <a:t>Nodes, sockets, cores and threads</a:t>
+              <a:t>Practical</a:t>
             </a:r>
           </a:p>
         </p:txBody>
@@ -6471,7 +6212,7 @@
           <p:cNvPr id="3" name="Tijdelijke aanduiding voor inhoud 2">
             <a:extLst>
               <a:ext uri="{FF2B5EF4-FFF2-40B4-BE49-F238E27FC236}">
-                <a16:creationId xmlns:a16="http://schemas.microsoft.com/office/drawing/2014/main" id="{93A366F2-B821-4080-A2A6-0D710B056F14}"/>
+                <a16:creationId xmlns:a16="http://schemas.microsoft.com/office/drawing/2014/main" id="{50A491D1-4251-4F79-91DD-BE7F6F7E1CD0}"/>
               </a:ext>
             </a:extLst>
           </p:cNvPr>
@@ -6484,8 +6225,8 @@
         </p:nvSpPr>
         <p:spPr>
           <a:xfrm>
-            <a:off x="818712" y="2222287"/>
-            <a:ext cx="6156854" cy="4188525"/>
+            <a:off x="818711" y="2222287"/>
+            <a:ext cx="10924797" cy="3636511"/>
           </a:xfrm>
         </p:spPr>
         <p:txBody>
@@ -6493,284 +6234,25 @@
           <a:lstStyle/>
           <a:p>
             <a:r>
-              <a:rPr lang="en-US" dirty="0"/>
-              <a:t>Nodes  &lt; sockets &lt; cores &lt; threads</a:t>
-            </a:r>
-          </a:p>
-          <a:p>
-            <a:r>
-              <a:rPr lang="en-US" dirty="0"/>
-              <a:t> Example </a:t>
-            </a:r>
-            <a:r>
-              <a:rPr lang="en-US" dirty="0" err="1"/>
-              <a:t>Crunchomics</a:t>
-            </a:r>
-            <a:r>
-              <a:rPr lang="en-US" dirty="0"/>
-              <a:t>:</a:t>
-            </a:r>
-          </a:p>
-          <a:p>
-            <a:pPr lvl="1"/>
-            <a:r>
-              <a:rPr lang="en-US" dirty="0"/>
-              <a:t>5 systems, each 2 sockets each 16 cores each 2 threads:  total  320 threads </a:t>
-            </a:r>
-          </a:p>
-          <a:p>
-            <a:pPr lvl="1"/>
-            <a:r>
-              <a:rPr lang="en-US" dirty="0"/>
-              <a:t>CPU: typically used for core</a:t>
-            </a:r>
-          </a:p>
-          <a:p>
-            <a:pPr lvl="1"/>
-            <a:r>
-              <a:rPr lang="en-US" dirty="0" err="1"/>
-              <a:t>Slurm@omics</a:t>
-            </a:r>
-            <a:r>
-              <a:rPr lang="en-US" dirty="0"/>
-              <a:t>:  </a:t>
-            </a:r>
-            <a:r>
-              <a:rPr lang="en-US" dirty="0" err="1"/>
-              <a:t>cpu</a:t>
-            </a:r>
-            <a:r>
-              <a:rPr lang="en-US" dirty="0"/>
-              <a:t> = core or thread   </a:t>
-            </a:r>
-          </a:p>
-          <a:p>
-            <a:r>
-              <a:rPr lang="en-US" dirty="0"/>
-              <a:t>Thread is not hardware: single core swapping between two instruction sequences as cores are mostly idle waiting for data</a:t>
-            </a:r>
-          </a:p>
-        </p:txBody>
-      </p:sp>
-      <p:pic>
-        <p:nvPicPr>
-          <p:cNvPr id="1026" name="Picture 2" descr="CPU Vs Core Vs Socket - Here is What You Know">
-            <a:extLst>
-              <a:ext uri="{FF2B5EF4-FFF2-40B4-BE49-F238E27FC236}">
-                <a16:creationId xmlns:a16="http://schemas.microsoft.com/office/drawing/2014/main" id="{F92DCD85-D2C5-47DC-B37E-F70D3B181628}"/>
-              </a:ext>
-            </a:extLst>
-          </p:cNvPr>
-          <p:cNvPicPr>
-            <a:picLocks noChangeAspect="1" noChangeArrowheads="1"/>
-          </p:cNvPicPr>
-          <p:nvPr/>
-        </p:nvPicPr>
-        <p:blipFill>
-          <a:blip r:embed="rId2">
-            <a:extLst>
-              <a:ext uri="{28A0092B-C50C-407E-A947-70E740481C1C}">
-                <a14:useLocalDpi xmlns:a14="http://schemas.microsoft.com/office/drawing/2010/main" val="0"/>
-              </a:ext>
-            </a:extLst>
-          </a:blip>
-          <a:srcRect/>
-          <a:stretch>
-            <a:fillRect/>
-          </a:stretch>
-        </p:blipFill>
-        <p:spPr bwMode="auto">
-          <a:xfrm>
-            <a:off x="7115788" y="3657599"/>
-            <a:ext cx="5205748" cy="2979721"/>
-          </a:xfrm>
-          <a:prstGeom prst="rect">
-            <a:avLst/>
-          </a:prstGeom>
-          <a:noFill/>
-          <a:extLst>
-            <a:ext uri="{909E8E84-426E-40DD-AFC4-6F175D3DCCD1}">
-              <a14:hiddenFill xmlns:a14="http://schemas.microsoft.com/office/drawing/2010/main">
-                <a:solidFill>
-                  <a:srgbClr val="FFFFFF"/>
-                </a:solidFill>
-              </a14:hiddenFill>
-            </a:ext>
-          </a:extLst>
-        </p:spPr>
-      </p:pic>
-      <p:pic>
-        <p:nvPicPr>
-          <p:cNvPr id="4" name="Afbeelding 3">
-            <a:extLst>
-              <a:ext uri="{FF2B5EF4-FFF2-40B4-BE49-F238E27FC236}">
-                <a16:creationId xmlns:a16="http://schemas.microsoft.com/office/drawing/2014/main" id="{92020665-BBF5-4B63-99C1-F63E311713E2}"/>
-              </a:ext>
-            </a:extLst>
-          </p:cNvPr>
-          <p:cNvPicPr>
-            <a:picLocks noChangeAspect="1"/>
-          </p:cNvPicPr>
-          <p:nvPr/>
-        </p:nvPicPr>
-        <p:blipFill>
-          <a:blip r:embed="rId3"/>
-          <a:stretch>
-            <a:fillRect/>
-          </a:stretch>
-        </p:blipFill>
-        <p:spPr>
-          <a:xfrm>
-            <a:off x="8820694" y="1675583"/>
-            <a:ext cx="3276600" cy="1390650"/>
-          </a:xfrm>
-          <a:prstGeom prst="rect">
-            <a:avLst/>
-          </a:prstGeom>
-        </p:spPr>
-      </p:pic>
+              <a:rPr lang="en-GB" dirty="0">
+                <a:hlinkClick r:id="rId2"/>
+              </a:rPr>
+              <a:t>https://sils-pub.science.uva.nl/mad/education/BBDA/bioinformatics/develop.html</a:t>
+            </a:r>
+            <a:endParaRPr lang="en-GB" dirty="0"/>
+          </a:p>
+          <a:p>
+            <a:pPr marL="0" indent="0">
+              <a:buNone/>
+            </a:pPr>
+            <a:endParaRPr lang="en-US" dirty="0"/>
+          </a:p>
+        </p:txBody>
+      </p:sp>
     </p:spTree>
     <p:extLst>
       <p:ext uri="{BB962C8B-B14F-4D97-AF65-F5344CB8AC3E}">
-        <p14:creationId xmlns:p14="http://schemas.microsoft.com/office/powerpoint/2010/main" val="933469828"/>
-      </p:ext>
-    </p:extLst>
-  </p:cSld>
-  <p:clrMapOvr>
-    <a:masterClrMapping/>
-  </p:clrMapOvr>
-</p:sld>
-</file>
-
-<file path=ppt/slides/slide9.xml><?xml version="1.0" encoding="utf-8"?>
-<p:sld xmlns:a="http://schemas.openxmlformats.org/drawingml/2006/main" xmlns:r="http://schemas.openxmlformats.org/officeDocument/2006/relationships" xmlns:p="http://schemas.openxmlformats.org/presentationml/2006/main">
-  <p:cSld>
-    <p:spTree>
-      <p:nvGrpSpPr>
-        <p:cNvPr id="1" name=""/>
-        <p:cNvGrpSpPr/>
-        <p:nvPr/>
-      </p:nvGrpSpPr>
-      <p:grpSpPr>
-        <a:xfrm>
-          <a:off x="0" y="0"/>
-          <a:ext cx="0" cy="0"/>
-          <a:chOff x="0" y="0"/>
-          <a:chExt cx="0" cy="0"/>
-        </a:xfrm>
-      </p:grpSpPr>
-      <p:sp>
-        <p:nvSpPr>
-          <p:cNvPr id="2" name="Titel 1">
-            <a:extLst>
-              <a:ext uri="{FF2B5EF4-FFF2-40B4-BE49-F238E27FC236}">
-                <a16:creationId xmlns:a16="http://schemas.microsoft.com/office/drawing/2014/main" id="{BB8FB7BA-7F94-46C3-8344-A4A4711845F5}"/>
-              </a:ext>
-            </a:extLst>
-          </p:cNvPr>
-          <p:cNvSpPr>
-            <a:spLocks noGrp="1"/>
-          </p:cNvSpPr>
-          <p:nvPr>
-            <p:ph type="title"/>
-          </p:nvPr>
-        </p:nvSpPr>
-        <p:spPr/>
-        <p:txBody>
-          <a:bodyPr/>
-          <a:lstStyle/>
-          <a:p>
-            <a:r>
-              <a:rPr lang="en-US" dirty="0"/>
-              <a:t>Multi threading </a:t>
-            </a:r>
-          </a:p>
-        </p:txBody>
-      </p:sp>
-      <p:sp>
-        <p:nvSpPr>
-          <p:cNvPr id="3" name="Tijdelijke aanduiding voor inhoud 2">
-            <a:extLst>
-              <a:ext uri="{FF2B5EF4-FFF2-40B4-BE49-F238E27FC236}">
-                <a16:creationId xmlns:a16="http://schemas.microsoft.com/office/drawing/2014/main" id="{4CB906F0-759A-4EED-8972-845B48EF5317}"/>
-              </a:ext>
-            </a:extLst>
-          </p:cNvPr>
-          <p:cNvSpPr>
-            <a:spLocks noGrp="1"/>
-          </p:cNvSpPr>
-          <p:nvPr>
-            <p:ph idx="1"/>
-          </p:nvPr>
-        </p:nvSpPr>
-        <p:spPr/>
-        <p:txBody>
-          <a:bodyPr/>
-          <a:lstStyle/>
-          <a:p>
-            <a:r>
-              <a:rPr lang="en-US" dirty="0"/>
-              <a:t>A simple program is a single sequence of instruction: single thread</a:t>
-            </a:r>
-          </a:p>
-          <a:p>
-            <a:r>
-              <a:rPr lang="en-US" dirty="0"/>
-              <a:t>Programs can start other programs/threads. </a:t>
-            </a:r>
-          </a:p>
-          <a:p>
-            <a:r>
-              <a:rPr lang="en-US" dirty="0"/>
-              <a:t>Communication needed between threads </a:t>
-            </a:r>
-          </a:p>
-          <a:p>
-            <a:pPr lvl="1"/>
-            <a:r>
-              <a:rPr lang="en-US" dirty="0"/>
-              <a:t>On a single system multithreading relatively easy</a:t>
-            </a:r>
-          </a:p>
-          <a:p>
-            <a:pPr lvl="1"/>
-            <a:r>
-              <a:rPr lang="en-US" dirty="0"/>
-              <a:t>Between systems via network  (e.g. MPI)   more difficult and less common </a:t>
-            </a:r>
-          </a:p>
-          <a:p>
-            <a:r>
-              <a:rPr lang="en-US" dirty="0"/>
-              <a:t>Communication and synchronization between threads consumes extra time</a:t>
-            </a:r>
-          </a:p>
-          <a:p>
-            <a:pPr lvl="1"/>
-            <a:r>
-              <a:rPr lang="en-US" dirty="0"/>
-              <a:t>Scaling not linear,  adding threads might will not proportionally improve running time </a:t>
-            </a:r>
-          </a:p>
-          <a:p>
-            <a:pPr lvl="1"/>
-            <a:r>
-              <a:rPr lang="en-US" dirty="0"/>
-              <a:t>Large variation inn scaling properties check scaling properties if in doubt. </a:t>
-            </a:r>
-          </a:p>
-          <a:p>
-            <a:r>
-              <a:rPr lang="en-US" dirty="0"/>
-              <a:t>Mapping usually good scaling,  trimming few threads max.  </a:t>
-            </a:r>
-          </a:p>
-        </p:txBody>
-      </p:sp>
-    </p:spTree>
-    <p:extLst>
-      <p:ext uri="{BB962C8B-B14F-4D97-AF65-F5344CB8AC3E}">
-        <p14:creationId xmlns:p14="http://schemas.microsoft.com/office/powerpoint/2010/main" val="2222481846"/>
+        <p14:creationId xmlns:p14="http://schemas.microsoft.com/office/powerpoint/2010/main" val="2939930269"/>
       </p:ext>
     </p:extLst>
   </p:cSld>

--- a/GitConda.pptx
+++ b/GitConda.pptx
@@ -7,12 +7,16 @@
   <p:sldIdLst>
     <p:sldId id="256" r:id="rId2"/>
     <p:sldId id="262" r:id="rId3"/>
-    <p:sldId id="258" r:id="rId4"/>
-    <p:sldId id="257" r:id="rId5"/>
-    <p:sldId id="268" r:id="rId6"/>
-    <p:sldId id="270" r:id="rId7"/>
+    <p:sldId id="272" r:id="rId4"/>
+    <p:sldId id="268" r:id="rId5"/>
+    <p:sldId id="273" r:id="rId6"/>
+    <p:sldId id="263" r:id="rId7"/>
     <p:sldId id="269" r:id="rId8"/>
-    <p:sldId id="259" r:id="rId9"/>
+    <p:sldId id="270" r:id="rId9"/>
+    <p:sldId id="271" r:id="rId10"/>
+    <p:sldId id="257" r:id="rId11"/>
+    <p:sldId id="259" r:id="rId12"/>
+    <p:sldId id="274" r:id="rId13"/>
   </p:sldIdLst>
   <p:sldSz cx="12192000" cy="6858000"/>
   <p:notesSz cx="6858000" cy="9144000"/>
@@ -214,7 +218,7 @@
           <a:effectLst/>
           <a:extLst>
             <a:ext uri="{91240B29-F687-4f45-9708-019B960494DF}">
-              <a14:hiddenLine xmlns:a14="http://schemas.microsoft.com/office/drawing/2010/main" xmlns="" w="9525">
+              <a14:hiddenLine xmlns="" xmlns:a14="http://schemas.microsoft.com/office/drawing/2010/main" w="9525">
                 <a:solidFill>
                   <a:srgbClr val="000000"/>
                 </a:solidFill>
@@ -407,7 +411,7 @@
             <a:fld id="{08B9EBBA-996F-894A-B54A-D6246ED52CEA}" type="datetimeFigureOut">
               <a:rPr lang="en-US" dirty="0"/>
               <a:pPr/>
-              <a:t>12/19/2021</a:t>
+              <a:t>12/20/2021</a:t>
             </a:fld>
             <a:endParaRPr lang="en-US" dirty="0"/>
           </a:p>
@@ -722,7 +726,7 @@
             <a:fld id="{18C79C5D-2A6F-F04D-97DA-BEF2467B64E4}" type="datetimeFigureOut">
               <a:rPr lang="en-US" dirty="0"/>
               <a:pPr/>
-              <a:t>12/19/2021</a:t>
+              <a:t>12/20/2021</a:t>
             </a:fld>
             <a:endParaRPr lang="en-US" dirty="0"/>
           </a:p>
@@ -1207,7 +1211,7 @@
             <a:fld id="{8DFA1846-DA80-1C48-A609-854EA85C59AD}" type="datetimeFigureOut">
               <a:rPr lang="en-US" dirty="0"/>
               <a:pPr/>
-              <a:t>12/19/2021</a:t>
+              <a:t>12/20/2021</a:t>
             </a:fld>
             <a:endParaRPr lang="en-US" dirty="0"/>
           </a:p>
@@ -1573,7 +1577,7 @@
             <a:fld id="{FBF54567-0DE4-3F47-BF90-CB84690072F9}" type="datetimeFigureOut">
               <a:rPr lang="en-US" dirty="0"/>
               <a:pPr/>
-              <a:t>12/19/2021</a:t>
+              <a:t>12/20/2021</a:t>
             </a:fld>
             <a:endParaRPr lang="en-US" dirty="0"/>
           </a:p>
@@ -1724,7 +1728,7 @@
           <a:ln/>
           <a:extLst>
             <a:ext uri="{91240B29-F687-4f45-9708-019B960494DF}">
-              <a14:hiddenLine xmlns:a14="http://schemas.microsoft.com/office/drawing/2010/main" xmlns="" w="9525">
+              <a14:hiddenLine xmlns="" xmlns:a14="http://schemas.microsoft.com/office/drawing/2010/main" w="9525">
                 <a:solidFill>
                   <a:srgbClr val="000000"/>
                 </a:solidFill>
@@ -1843,7 +1847,7 @@
             <a:fld id="{C6C52C72-DE31-F449-A4ED-4C594FD91407}" type="datetimeFigureOut">
               <a:rPr lang="en-US" dirty="0"/>
               <a:pPr/>
-              <a:t>12/19/2021</a:t>
+              <a:t>12/20/2021</a:t>
             </a:fld>
             <a:endParaRPr lang="en-US" dirty="0"/>
           </a:p>
@@ -1996,7 +2000,7 @@
           <a:ln/>
           <a:extLst>
             <a:ext uri="{91240B29-F687-4f45-9708-019B960494DF}">
-              <a14:hiddenLine xmlns:a14="http://schemas.microsoft.com/office/drawing/2010/main" xmlns="" w="9525">
+              <a14:hiddenLine xmlns="" xmlns:a14="http://schemas.microsoft.com/office/drawing/2010/main" w="9525">
                 <a:solidFill>
                   <a:srgbClr val="000000"/>
                 </a:solidFill>
@@ -2125,7 +2129,7 @@
             <a:fld id="{ED62726E-379B-B349-9EED-81ED093FA806}" type="datetimeFigureOut">
               <a:rPr lang="en-US" dirty="0"/>
               <a:pPr/>
-              <a:t>12/19/2021</a:t>
+              <a:t>12/20/2021</a:t>
             </a:fld>
             <a:endParaRPr lang="en-US" dirty="0"/>
           </a:p>
@@ -2276,7 +2280,7 @@
           <a:ln/>
           <a:extLst>
             <a:ext uri="{91240B29-F687-4f45-9708-019B960494DF}">
-              <a14:hiddenLine xmlns:a14="http://schemas.microsoft.com/office/drawing/2010/main" xmlns="" w="9525">
+              <a14:hiddenLine xmlns="" xmlns:a14="http://schemas.microsoft.com/office/drawing/2010/main" w="9525">
                 <a:solidFill>
                   <a:srgbClr val="000000"/>
                 </a:solidFill>
@@ -2405,7 +2409,7 @@
             <a:fld id="{9B3A1323-8D79-1946-B0D7-40001CF92E9D}" type="datetimeFigureOut">
               <a:rPr lang="en-US" dirty="0"/>
               <a:pPr/>
-              <a:t>12/19/2021</a:t>
+              <a:t>12/20/2021</a:t>
             </a:fld>
             <a:endParaRPr lang="en-US" dirty="0"/>
           </a:p>
@@ -2745,7 +2749,7 @@
             <a:fld id="{8DFA1846-DA80-1C48-A609-854EA85C59AD}" type="datetimeFigureOut">
               <a:rPr lang="en-US" dirty="0"/>
               <a:pPr/>
-              <a:t>12/19/2021</a:t>
+              <a:t>12/20/2021</a:t>
             </a:fld>
             <a:endParaRPr lang="en-US" dirty="0"/>
           </a:p>
@@ -2896,7 +2900,7 @@
           <a:ln/>
           <a:extLst>
             <a:ext uri="{91240B29-F687-4f45-9708-019B960494DF}">
-              <a14:hiddenLine xmlns:a14="http://schemas.microsoft.com/office/drawing/2010/main" xmlns="" w="9525">
+              <a14:hiddenLine xmlns="" xmlns:a14="http://schemas.microsoft.com/office/drawing/2010/main" w="9525">
                 <a:solidFill>
                   <a:srgbClr val="000000"/>
                 </a:solidFill>
@@ -3081,7 +3085,7 @@
             <a:fld id="{57302355-E14B-8545-A8F8-0FE83CC9D524}" type="datetimeFigureOut">
               <a:rPr lang="en-US" dirty="0"/>
               <a:pPr/>
-              <a:t>12/19/2021</a:t>
+              <a:t>12/20/2021</a:t>
             </a:fld>
             <a:endParaRPr lang="en-US" dirty="0"/>
           </a:p>
@@ -3232,7 +3236,7 @@
           <a:ln/>
           <a:extLst>
             <a:ext uri="{91240B29-F687-4f45-9708-019B960494DF}">
-              <a14:hiddenLine xmlns:a14="http://schemas.microsoft.com/office/drawing/2010/main" xmlns="" w="9525">
+              <a14:hiddenLine xmlns="" xmlns:a14="http://schemas.microsoft.com/office/drawing/2010/main" w="9525">
                 <a:solidFill>
                   <a:srgbClr val="000000"/>
                 </a:solidFill>
@@ -3555,7 +3559,7 @@
             <a:fld id="{02640F58-564D-2B4F-AE67-E407BA4FCF45}" type="datetimeFigureOut">
               <a:rPr lang="en-US" dirty="0"/>
               <a:pPr/>
-              <a:t>12/19/2021</a:t>
+              <a:t>12/20/2021</a:t>
             </a:fld>
             <a:endParaRPr lang="en-US" dirty="0"/>
           </a:p>
@@ -3706,7 +3710,7 @@
           <a:ln/>
           <a:extLst>
             <a:ext uri="{91240B29-F687-4f45-9708-019B960494DF}">
-              <a14:hiddenLine xmlns:a14="http://schemas.microsoft.com/office/drawing/2010/main" xmlns="" w="9525">
+              <a14:hiddenLine xmlns="" xmlns:a14="http://schemas.microsoft.com/office/drawing/2010/main" w="9525">
                 <a:solidFill>
                   <a:srgbClr val="000000"/>
                 </a:solidFill>
@@ -3773,7 +3777,7 @@
             <a:fld id="{F13A34C8-038E-2045-AF43-DF7DBB8E0E9E}" type="datetimeFigureOut">
               <a:rPr lang="en-US" dirty="0"/>
               <a:pPr/>
-              <a:t>12/19/2021</a:t>
+              <a:t>12/20/2021</a:t>
             </a:fld>
             <a:endParaRPr lang="en-US" dirty="0"/>
           </a:p>
@@ -3865,7 +3869,7 @@
             <a:fld id="{8818C68F-D26B-8F47-958C-23B49CF8A634}" type="datetimeFigureOut">
               <a:rPr lang="en-US" dirty="0"/>
               <a:pPr/>
-              <a:t>12/19/2021</a:t>
+              <a:t>12/20/2021</a:t>
             </a:fld>
             <a:endParaRPr lang="en-US" dirty="0"/>
           </a:p>
@@ -4129,7 +4133,7 @@
           <a:ln/>
           <a:extLst>
             <a:ext uri="{91240B29-F687-4f45-9708-019B960494DF}">
-              <a14:hiddenLine xmlns:a14="http://schemas.microsoft.com/office/drawing/2010/main" xmlns="" w="9525">
+              <a14:hiddenLine xmlns="" xmlns:a14="http://schemas.microsoft.com/office/drawing/2010/main" w="9525">
                 <a:solidFill>
                   <a:srgbClr val="000000"/>
                 </a:solidFill>
@@ -4329,7 +4333,7 @@
             <a:fld id="{D0DF5E60-9974-AC48-9591-99C2BB44B7CF}" type="datetimeFigureOut">
               <a:rPr lang="en-US" dirty="0"/>
               <a:pPr/>
-              <a:t>12/19/2021</a:t>
+              <a:t>12/20/2021</a:t>
             </a:fld>
             <a:endParaRPr lang="en-US" dirty="0"/>
           </a:p>
@@ -4639,7 +4643,7 @@
             <a:fld id="{18C79C5D-2A6F-F04D-97DA-BEF2467B64E4}" type="datetimeFigureOut">
               <a:rPr lang="en-US" dirty="0"/>
               <a:pPr/>
-              <a:t>12/19/2021</a:t>
+              <a:t>12/20/2021</a:t>
             </a:fld>
             <a:endParaRPr lang="en-US" dirty="0"/>
           </a:p>
@@ -4906,7 +4910,7 @@
             <a:fld id="{09B482E8-6E0E-1B4F-B1FD-C69DB9E858D9}" type="datetimeFigureOut">
               <a:rPr lang="en-US" dirty="0"/>
               <a:pPr/>
-              <a:t>12/19/2021</a:t>
+              <a:t>12/20/2021</a:t>
             </a:fld>
             <a:endParaRPr lang="en-US" dirty="0"/>
           </a:p>
@@ -5368,19 +5372,37 @@
             <p:ph type="ctrTitle"/>
           </p:nvPr>
         </p:nvSpPr>
-        <p:spPr>
-          <a:xfrm>
-            <a:off x="182880" y="1449147"/>
-            <a:ext cx="11874137" cy="2971051"/>
-          </a:xfrm>
-        </p:spPr>
+        <p:spPr/>
         <p:txBody>
           <a:bodyPr/>
           <a:lstStyle/>
           <a:p>
             <a:r>
               <a:rPr lang="nl-NL" dirty="0"/>
-              <a:t>BBDA: tool &amp; data management</a:t>
+              <a:t>BBDA: </a:t>
+            </a:r>
+            <a:r>
+              <a:rPr lang="nl-NL" dirty="0" err="1"/>
+              <a:t>informatic</a:t>
+            </a:r>
+            <a:r>
+              <a:rPr lang="nl-NL" dirty="0"/>
+              <a:t>:</a:t>
+            </a:r>
+            <a:br>
+              <a:rPr lang="nl-NL" dirty="0"/>
+            </a:br>
+            <a:r>
+              <a:rPr lang="nl-NL" dirty="0"/>
+              <a:t>tool </a:t>
+            </a:r>
+            <a:r>
+              <a:rPr lang="nl-NL" dirty="0" err="1"/>
+              <a:t>and</a:t>
+            </a:r>
+            <a:r>
+              <a:rPr lang="nl-NL" dirty="0"/>
+              <a:t> data management</a:t>
             </a:r>
             <a:endParaRPr lang="en-GB" dirty="0"/>
           </a:p>
@@ -5419,6 +5441,414 @@
     <p:extLst>
       <p:ext uri="{BB962C8B-B14F-4D97-AF65-F5344CB8AC3E}">
         <p14:creationId xmlns:p14="http://schemas.microsoft.com/office/powerpoint/2010/main" val="3396683550"/>
+      </p:ext>
+    </p:extLst>
+  </p:cSld>
+  <p:clrMapOvr>
+    <a:masterClrMapping/>
+  </p:clrMapOvr>
+</p:sld>
+</file>
+
+<file path=ppt/slides/slide10.xml><?xml version="1.0" encoding="utf-8"?>
+<p:sld xmlns:a="http://schemas.openxmlformats.org/drawingml/2006/main" xmlns:r="http://schemas.openxmlformats.org/officeDocument/2006/relationships" xmlns:p="http://schemas.openxmlformats.org/presentationml/2006/main">
+  <p:cSld>
+    <p:spTree>
+      <p:nvGrpSpPr>
+        <p:cNvPr id="1" name=""/>
+        <p:cNvGrpSpPr/>
+        <p:nvPr/>
+      </p:nvGrpSpPr>
+      <p:grpSpPr>
+        <a:xfrm>
+          <a:off x="0" y="0"/>
+          <a:ext cx="0" cy="0"/>
+          <a:chOff x="0" y="0"/>
+          <a:chExt cx="0" cy="0"/>
+        </a:xfrm>
+      </p:grpSpPr>
+      <p:sp>
+        <p:nvSpPr>
+          <p:cNvPr id="2" name="Titel 1">
+            <a:extLst>
+              <a:ext uri="{FF2B5EF4-FFF2-40B4-BE49-F238E27FC236}">
+                <a16:creationId xmlns:a16="http://schemas.microsoft.com/office/drawing/2014/main" id="{2AE8CB70-83EE-40E4-9568-3885D5F8591B}"/>
+              </a:ext>
+            </a:extLst>
+          </p:cNvPr>
+          <p:cNvSpPr>
+            <a:spLocks noGrp="1"/>
+          </p:cNvSpPr>
+          <p:nvPr>
+            <p:ph type="title"/>
+          </p:nvPr>
+        </p:nvSpPr>
+        <p:spPr/>
+        <p:txBody>
+          <a:bodyPr/>
+          <a:lstStyle/>
+          <a:p>
+            <a:r>
+              <a:rPr lang="en-US" dirty="0"/>
+              <a:t>Data management</a:t>
+            </a:r>
+          </a:p>
+        </p:txBody>
+      </p:sp>
+      <p:sp>
+        <p:nvSpPr>
+          <p:cNvPr id="3" name="Tijdelijke aanduiding voor inhoud 2">
+            <a:extLst>
+              <a:ext uri="{FF2B5EF4-FFF2-40B4-BE49-F238E27FC236}">
+                <a16:creationId xmlns:a16="http://schemas.microsoft.com/office/drawing/2014/main" id="{A556E293-ADE8-41FD-A45C-BD6B00DCEA7D}"/>
+              </a:ext>
+            </a:extLst>
+          </p:cNvPr>
+          <p:cNvSpPr>
+            <a:spLocks noGrp="1"/>
+          </p:cNvSpPr>
+          <p:nvPr>
+            <p:ph idx="1"/>
+          </p:nvPr>
+        </p:nvSpPr>
+        <p:spPr>
+          <a:xfrm>
+            <a:off x="818712" y="2222287"/>
+            <a:ext cx="10554574" cy="4188525"/>
+          </a:xfrm>
+        </p:spPr>
+        <p:txBody>
+          <a:bodyPr>
+            <a:normAutofit/>
+          </a:bodyPr>
+          <a:lstStyle/>
+          <a:p>
+            <a:endParaRPr lang="en-US" dirty="0"/>
+          </a:p>
+          <a:p>
+            <a:r>
+              <a:rPr lang="en-US" dirty="0"/>
+              <a:t>Typical omics experiment involve large data sets</a:t>
+            </a:r>
+          </a:p>
+          <a:p>
+            <a:r>
+              <a:rPr lang="en-US" dirty="0"/>
+              <a:t>Typical analysis several steps with large intermediate data</a:t>
+            </a:r>
+          </a:p>
+          <a:p>
+            <a:r>
+              <a:rPr lang="en-US" dirty="0"/>
+              <a:t>Plan and organize data during project</a:t>
+            </a:r>
+          </a:p>
+          <a:p>
+            <a:pPr lvl="1"/>
+            <a:r>
+              <a:rPr lang="en-US" dirty="0"/>
+              <a:t>Ideal: only store </a:t>
+            </a:r>
+            <a:r>
+              <a:rPr lang="en-US" b="1" dirty="0"/>
+              <a:t>raw data</a:t>
+            </a:r>
+            <a:r>
+              <a:rPr lang="en-US" dirty="0"/>
+              <a:t>  and </a:t>
+            </a:r>
+            <a:r>
+              <a:rPr lang="en-US" b="1" dirty="0"/>
+              <a:t>process description/script </a:t>
+            </a:r>
+            <a:r>
+              <a:rPr lang="en-US" dirty="0"/>
+              <a:t>to get end results </a:t>
+            </a:r>
+          </a:p>
+          <a:p>
+            <a:pPr lvl="1"/>
+            <a:r>
+              <a:rPr lang="en-US" dirty="0"/>
+              <a:t>Make explicit which data is temporary (scratch directory) </a:t>
+            </a:r>
+          </a:p>
+          <a:p>
+            <a:pPr lvl="1"/>
+            <a:r>
+              <a:rPr lang="en-US" dirty="0"/>
+              <a:t>Add meta data annotate and comment</a:t>
+            </a:r>
+          </a:p>
+          <a:p>
+            <a:pPr lvl="1"/>
+            <a:r>
+              <a:rPr lang="en-US" dirty="0"/>
+              <a:t>Delete temporary data if not longer needed</a:t>
+            </a:r>
+          </a:p>
+          <a:p>
+            <a:r>
+              <a:rPr lang="en-US" dirty="0"/>
+              <a:t>For others and for yourself in the future </a:t>
+            </a:r>
+          </a:p>
+          <a:p>
+            <a:pPr marL="457200" lvl="1" indent="0">
+              <a:buNone/>
+            </a:pPr>
+            <a:endParaRPr lang="en-US" dirty="0"/>
+          </a:p>
+          <a:p>
+            <a:pPr lvl="1"/>
+            <a:endParaRPr lang="en-US" dirty="0"/>
+          </a:p>
+          <a:p>
+            <a:pPr lvl="1"/>
+            <a:endParaRPr lang="en-US" dirty="0"/>
+          </a:p>
+          <a:p>
+            <a:endParaRPr lang="en-US" dirty="0"/>
+          </a:p>
+        </p:txBody>
+      </p:sp>
+    </p:spTree>
+    <p:extLst>
+      <p:ext uri="{BB962C8B-B14F-4D97-AF65-F5344CB8AC3E}">
+        <p14:creationId xmlns:p14="http://schemas.microsoft.com/office/powerpoint/2010/main" val="244366286"/>
+      </p:ext>
+    </p:extLst>
+  </p:cSld>
+  <p:clrMapOvr>
+    <a:masterClrMapping/>
+  </p:clrMapOvr>
+</p:sld>
+</file>
+
+<file path=ppt/slides/slide11.xml><?xml version="1.0" encoding="utf-8"?>
+<p:sld xmlns:a="http://schemas.openxmlformats.org/drawingml/2006/main" xmlns:r="http://schemas.openxmlformats.org/officeDocument/2006/relationships" xmlns:p="http://schemas.openxmlformats.org/presentationml/2006/main">
+  <p:cSld>
+    <p:spTree>
+      <p:nvGrpSpPr>
+        <p:cNvPr id="1" name=""/>
+        <p:cNvGrpSpPr/>
+        <p:nvPr/>
+      </p:nvGrpSpPr>
+      <p:grpSpPr>
+        <a:xfrm>
+          <a:off x="0" y="0"/>
+          <a:ext cx="0" cy="0"/>
+          <a:chOff x="0" y="0"/>
+          <a:chExt cx="0" cy="0"/>
+        </a:xfrm>
+      </p:grpSpPr>
+      <p:sp>
+        <p:nvSpPr>
+          <p:cNvPr id="2" name="Titel 1">
+            <a:extLst>
+              <a:ext uri="{FF2B5EF4-FFF2-40B4-BE49-F238E27FC236}">
+                <a16:creationId xmlns:a16="http://schemas.microsoft.com/office/drawing/2014/main" id="{9C7DB70D-9CE3-4D62-837F-2DB44020DDFA}"/>
+              </a:ext>
+            </a:extLst>
+          </p:cNvPr>
+          <p:cNvSpPr>
+            <a:spLocks noGrp="1"/>
+          </p:cNvSpPr>
+          <p:nvPr>
+            <p:ph type="title"/>
+          </p:nvPr>
+        </p:nvSpPr>
+        <p:spPr/>
+        <p:txBody>
+          <a:bodyPr/>
+          <a:lstStyle/>
+          <a:p>
+            <a:r>
+              <a:rPr lang="en-US" dirty="0"/>
+              <a:t>Practical</a:t>
+            </a:r>
+          </a:p>
+        </p:txBody>
+      </p:sp>
+      <p:sp>
+        <p:nvSpPr>
+          <p:cNvPr id="3" name="Tijdelijke aanduiding voor inhoud 2">
+            <a:extLst>
+              <a:ext uri="{FF2B5EF4-FFF2-40B4-BE49-F238E27FC236}">
+                <a16:creationId xmlns:a16="http://schemas.microsoft.com/office/drawing/2014/main" id="{50A491D1-4251-4F79-91DD-BE7F6F7E1CD0}"/>
+              </a:ext>
+            </a:extLst>
+          </p:cNvPr>
+          <p:cNvSpPr>
+            <a:spLocks noGrp="1"/>
+          </p:cNvSpPr>
+          <p:nvPr>
+            <p:ph idx="1"/>
+          </p:nvPr>
+        </p:nvSpPr>
+        <p:spPr>
+          <a:xfrm>
+            <a:off x="818711" y="2222287"/>
+            <a:ext cx="10924797" cy="3636511"/>
+          </a:xfrm>
+        </p:spPr>
+        <p:txBody>
+          <a:bodyPr/>
+          <a:lstStyle/>
+          <a:p>
+            <a:r>
+              <a:rPr lang="en-GB" dirty="0">
+                <a:hlinkClick r:id="rId2"/>
+              </a:rPr>
+              <a:t>https://sils-pub.science.uva.nl/mad/education/BBDA/bioinformatics/</a:t>
+            </a:r>
+            <a:endParaRPr lang="en-GB" dirty="0"/>
+          </a:p>
+          <a:p>
+            <a:pPr lvl="1"/>
+            <a:r>
+              <a:rPr lang="en-GB" dirty="0"/>
+              <a:t>Demo installation of </a:t>
+            </a:r>
+            <a:r>
+              <a:rPr lang="en-GB" dirty="0" err="1"/>
+              <a:t>miniconda</a:t>
+            </a:r>
+            <a:r>
+              <a:rPr lang="en-GB" dirty="0"/>
+              <a:t> </a:t>
+            </a:r>
+          </a:p>
+          <a:p>
+            <a:pPr lvl="1"/>
+            <a:r>
+              <a:rPr lang="en-GB" dirty="0"/>
+              <a:t>Introduction to git</a:t>
+            </a:r>
+          </a:p>
+          <a:p>
+            <a:pPr marL="0" indent="0">
+              <a:buNone/>
+            </a:pPr>
+            <a:endParaRPr lang="en-US" dirty="0"/>
+          </a:p>
+        </p:txBody>
+      </p:sp>
+    </p:spTree>
+    <p:extLst>
+      <p:ext uri="{BB962C8B-B14F-4D97-AF65-F5344CB8AC3E}">
+        <p14:creationId xmlns:p14="http://schemas.microsoft.com/office/powerpoint/2010/main" val="2939930269"/>
+      </p:ext>
+    </p:extLst>
+  </p:cSld>
+  <p:clrMapOvr>
+    <a:masterClrMapping/>
+  </p:clrMapOvr>
+</p:sld>
+</file>
+
+<file path=ppt/slides/slide12.xml><?xml version="1.0" encoding="utf-8"?>
+<p:sld xmlns:a="http://schemas.openxmlformats.org/drawingml/2006/main" xmlns:r="http://schemas.openxmlformats.org/officeDocument/2006/relationships" xmlns:p="http://schemas.openxmlformats.org/presentationml/2006/main">
+  <p:cSld>
+    <p:spTree>
+      <p:nvGrpSpPr>
+        <p:cNvPr id="1" name=""/>
+        <p:cNvGrpSpPr/>
+        <p:nvPr/>
+      </p:nvGrpSpPr>
+      <p:grpSpPr>
+        <a:xfrm>
+          <a:off x="0" y="0"/>
+          <a:ext cx="0" cy="0"/>
+          <a:chOff x="0" y="0"/>
+          <a:chExt cx="0" cy="0"/>
+        </a:xfrm>
+      </p:grpSpPr>
+      <p:sp>
+        <p:nvSpPr>
+          <p:cNvPr id="2" name="Titel 1">
+            <a:extLst>
+              <a:ext uri="{FF2B5EF4-FFF2-40B4-BE49-F238E27FC236}">
+                <a16:creationId xmlns:a16="http://schemas.microsoft.com/office/drawing/2014/main" id="{CF26C974-71A4-488D-BE5B-BFAB1696211D}"/>
+              </a:ext>
+            </a:extLst>
+          </p:cNvPr>
+          <p:cNvSpPr>
+            <a:spLocks noGrp="1"/>
+          </p:cNvSpPr>
+          <p:nvPr>
+            <p:ph type="title"/>
+          </p:nvPr>
+        </p:nvSpPr>
+        <p:spPr/>
+        <p:txBody>
+          <a:bodyPr/>
+          <a:lstStyle/>
+          <a:p>
+            <a:r>
+              <a:rPr lang="en-US" dirty="0"/>
+              <a:t>Wrap up</a:t>
+            </a:r>
+          </a:p>
+        </p:txBody>
+      </p:sp>
+      <p:sp>
+        <p:nvSpPr>
+          <p:cNvPr id="3" name="Tijdelijke aanduiding voor inhoud 2">
+            <a:extLst>
+              <a:ext uri="{FF2B5EF4-FFF2-40B4-BE49-F238E27FC236}">
+                <a16:creationId xmlns:a16="http://schemas.microsoft.com/office/drawing/2014/main" id="{D6BFBB06-7A00-4A34-9648-A2AD0D7A942F}"/>
+              </a:ext>
+            </a:extLst>
+          </p:cNvPr>
+          <p:cNvSpPr>
+            <a:spLocks noGrp="1"/>
+          </p:cNvSpPr>
+          <p:nvPr>
+            <p:ph idx="1"/>
+          </p:nvPr>
+        </p:nvSpPr>
+        <p:spPr/>
+        <p:txBody>
+          <a:bodyPr/>
+          <a:lstStyle/>
+          <a:p>
+            <a:r>
+              <a:rPr lang="en-US" dirty="0"/>
+              <a:t>Software management:   </a:t>
+            </a:r>
+            <a:r>
+              <a:rPr lang="en-US" dirty="0" err="1"/>
+              <a:t>Conda</a:t>
+            </a:r>
+            <a:r>
+              <a:rPr lang="en-US" dirty="0"/>
+              <a:t> </a:t>
+            </a:r>
+          </a:p>
+          <a:p>
+            <a:r>
+              <a:rPr lang="en-US" dirty="0"/>
+              <a:t>History/version management:  Git </a:t>
+            </a:r>
+          </a:p>
+          <a:p>
+            <a:r>
+              <a:rPr lang="en-US" dirty="0"/>
+              <a:t>(Big) data management:   </a:t>
+            </a:r>
+            <a:r>
+              <a:rPr lang="en-US"/>
+              <a:t>do it!</a:t>
+            </a:r>
+            <a:endParaRPr lang="en-US" dirty="0"/>
+          </a:p>
+        </p:txBody>
+      </p:sp>
+    </p:spTree>
+    <p:extLst>
+      <p:ext uri="{BB962C8B-B14F-4D97-AF65-F5344CB8AC3E}">
+        <p14:creationId xmlns:p14="http://schemas.microsoft.com/office/powerpoint/2010/main" val="464319391"/>
       </p:ext>
     </p:extLst>
   </p:cSld>
@@ -5502,7 +5932,15 @@
           <a:p>
             <a:r>
               <a:rPr lang="en-US" dirty="0"/>
-              <a:t>10:15 Practical  tooling </a:t>
+              <a:t>10:00 Practical  </a:t>
+            </a:r>
+            <a:r>
+              <a:rPr lang="en-US" dirty="0" err="1"/>
+              <a:t>Conda</a:t>
+            </a:r>
+            <a:r>
+              <a:rPr lang="en-US" dirty="0"/>
+              <a:t> &amp; Git </a:t>
             </a:r>
           </a:p>
           <a:p>
@@ -5548,7 +5986,7 @@
           <p:cNvPr id="2" name="Titel 1">
             <a:extLst>
               <a:ext uri="{FF2B5EF4-FFF2-40B4-BE49-F238E27FC236}">
-                <a16:creationId xmlns:a16="http://schemas.microsoft.com/office/drawing/2014/main" id="{49FC2BAE-57C8-4FE1-89DC-9B7EE267383F}"/>
+                <a16:creationId xmlns:a16="http://schemas.microsoft.com/office/drawing/2014/main" id="{BB9316EA-DFD0-43F5-B520-A09C99DCC6B4}"/>
               </a:ext>
             </a:extLst>
           </p:cNvPr>
@@ -5566,7 +6004,7 @@
           <a:p>
             <a:r>
               <a:rPr lang="en-US" dirty="0"/>
-              <a:t>(biological) big data analysis</a:t>
+              <a:t>Software management</a:t>
             </a:r>
           </a:p>
         </p:txBody>
@@ -5576,7 +6014,7 @@
           <p:cNvPr id="3" name="Tijdelijke aanduiding voor inhoud 2">
             <a:extLst>
               <a:ext uri="{FF2B5EF4-FFF2-40B4-BE49-F238E27FC236}">
-                <a16:creationId xmlns:a16="http://schemas.microsoft.com/office/drawing/2014/main" id="{C6ADD49F-8BB1-4355-82AC-417D2515075B}"/>
+                <a16:creationId xmlns:a16="http://schemas.microsoft.com/office/drawing/2014/main" id="{A1EC9D3E-8DA2-406F-82F8-6CA5A09CFD55}"/>
               </a:ext>
             </a:extLst>
           </p:cNvPr>
@@ -5587,56 +6025,34 @@
             <p:ph idx="1"/>
           </p:nvPr>
         </p:nvSpPr>
-        <p:spPr>
-          <a:xfrm>
-            <a:off x="818712" y="2222287"/>
-            <a:ext cx="7693276" cy="3636511"/>
-          </a:xfrm>
-        </p:spPr>
+        <p:spPr/>
         <p:txBody>
           <a:bodyPr/>
           <a:lstStyle/>
           <a:p>
             <a:r>
-              <a:rPr lang="en-GB" dirty="0"/>
-              <a:t>Biological (omics) data  -&gt;  processing -&gt;  results</a:t>
-            </a:r>
-          </a:p>
-          <a:p>
-            <a:r>
-              <a:rPr lang="en-GB" dirty="0"/>
-              <a:t>Direct tools: assemblers, variant callers, mappers…</a:t>
-            </a:r>
-          </a:p>
-          <a:p>
-            <a:r>
-              <a:rPr lang="en-GB" dirty="0"/>
-              <a:t>Supporting tools bash, awk, </a:t>
-            </a:r>
-            <a:r>
-              <a:rPr lang="en-GB" dirty="0" err="1"/>
-              <a:t>snakemake</a:t>
-            </a:r>
-            <a:r>
-              <a:rPr lang="en-GB" dirty="0"/>
-              <a:t> … </a:t>
-            </a:r>
-          </a:p>
-          <a:p>
-            <a:endParaRPr lang="en-GB" dirty="0"/>
-          </a:p>
-          <a:p>
-            <a:pPr marL="0" indent="0">
-              <a:buNone/>
-            </a:pPr>
-            <a:endParaRPr lang="en-US" dirty="0"/>
+              <a:rPr lang="en-US" dirty="0"/>
+              <a:t>Not all software is installed on system</a:t>
+            </a:r>
+          </a:p>
+          <a:p>
+            <a:r>
+              <a:rPr lang="en-US" dirty="0"/>
+              <a:t>System is shared among users, not full control over system</a:t>
+            </a:r>
+          </a:p>
+          <a:p>
+            <a:r>
+              <a:rPr lang="en-US" dirty="0"/>
+              <a:t>Programs come with dependencies</a:t>
+            </a:r>
           </a:p>
         </p:txBody>
       </p:sp>
     </p:spTree>
     <p:extLst>
       <p:ext uri="{BB962C8B-B14F-4D97-AF65-F5344CB8AC3E}">
-        <p14:creationId xmlns:p14="http://schemas.microsoft.com/office/powerpoint/2010/main" val="569039904"/>
+        <p14:creationId xmlns:p14="http://schemas.microsoft.com/office/powerpoint/2010/main" val="896085204"/>
       </p:ext>
     </p:extLst>
   </p:cSld>
@@ -5668,7 +6084,7 @@
           <p:cNvPr id="2" name="Titel 1">
             <a:extLst>
               <a:ext uri="{FF2B5EF4-FFF2-40B4-BE49-F238E27FC236}">
-                <a16:creationId xmlns:a16="http://schemas.microsoft.com/office/drawing/2014/main" id="{2AE8CB70-83EE-40E4-9568-3885D5F8591B}"/>
+                <a16:creationId xmlns:a16="http://schemas.microsoft.com/office/drawing/2014/main" id="{FC2E1851-C545-45E1-A35D-EC211EDD2094}"/>
               </a:ext>
             </a:extLst>
           </p:cNvPr>
@@ -5685,9 +6101,10 @@
           <a:lstStyle/>
           <a:p>
             <a:r>
-              <a:rPr lang="en-US" dirty="0"/>
-              <a:t>Data management</a:t>
-            </a:r>
+              <a:rPr lang="en-US" dirty="0" err="1"/>
+              <a:t>Conda</a:t>
+            </a:r>
+            <a:endParaRPr lang="en-US" dirty="0"/>
           </a:p>
         </p:txBody>
       </p:sp>
@@ -5696,7 +6113,7 @@
           <p:cNvPr id="3" name="Tijdelijke aanduiding voor inhoud 2">
             <a:extLst>
               <a:ext uri="{FF2B5EF4-FFF2-40B4-BE49-F238E27FC236}">
-                <a16:creationId xmlns:a16="http://schemas.microsoft.com/office/drawing/2014/main" id="{A556E293-ADE8-41FD-A45C-BD6B00DCEA7D}"/>
+                <a16:creationId xmlns:a16="http://schemas.microsoft.com/office/drawing/2014/main" id="{BE1D9E69-715B-4319-87C4-1A7F783ACD17}"/>
               </a:ext>
             </a:extLst>
           </p:cNvPr>
@@ -5710,87 +6127,127 @@
         <p:spPr>
           <a:xfrm>
             <a:off x="818712" y="2222287"/>
-            <a:ext cx="10554574" cy="4188525"/>
+            <a:ext cx="10554574" cy="4490240"/>
           </a:xfrm>
         </p:spPr>
         <p:txBody>
           <a:bodyPr>
-            <a:normAutofit/>
+            <a:normAutofit lnSpcReduction="10000"/>
           </a:bodyPr>
           <a:lstStyle/>
           <a:p>
             <a:r>
               <a:rPr lang="en-US" dirty="0"/>
-              <a:t>Analysis process consists of steps  with lots of intermediate data</a:t>
+              <a:t>Tools depend on programs and libraries with specific versions </a:t>
             </a:r>
           </a:p>
           <a:p>
             <a:pPr lvl="1"/>
             <a:r>
               <a:rPr lang="en-US" dirty="0"/>
-              <a:t>Hard to understand data without description</a:t>
-            </a:r>
+              <a:t>Different tools can be incompatible</a:t>
+            </a:r>
+          </a:p>
+          <a:p>
+            <a:r>
+              <a:rPr lang="en-US" dirty="0" err="1"/>
+              <a:t>Conda</a:t>
+            </a:r>
+            <a:endParaRPr lang="en-US" dirty="0"/>
           </a:p>
           <a:p>
             <a:pPr lvl="1"/>
             <a:r>
               <a:rPr lang="en-US" dirty="0"/>
-              <a:t>Storage costs money</a:t>
-            </a:r>
-          </a:p>
-          <a:p>
-            <a:r>
-              <a:rPr lang="en-US" dirty="0"/>
-              <a:t>Plan and organize data during  the lifetime of a project</a:t>
+              <a:t>User control  </a:t>
             </a:r>
           </a:p>
           <a:p>
             <a:pPr lvl="1"/>
             <a:r>
               <a:rPr lang="en-US" dirty="0"/>
-              <a:t>Distinguish  temporary data from data which should be kept</a:t>
+              <a:t>Keeps track of dependencies </a:t>
             </a:r>
           </a:p>
           <a:p>
             <a:pPr lvl="1"/>
             <a:r>
               <a:rPr lang="en-US" dirty="0"/>
-              <a:t>Ideally:  raw data and code with process description which can be run to get end results</a:t>
-            </a:r>
+              <a:t>Separate environments for different tools </a:t>
+            </a:r>
+          </a:p>
+          <a:p>
+            <a:r>
+              <a:rPr lang="en-US" dirty="0"/>
+              <a:t>Alternatives for </a:t>
+            </a:r>
+            <a:r>
+              <a:rPr lang="en-US" dirty="0" err="1"/>
+              <a:t>Conda</a:t>
+            </a:r>
+            <a:endParaRPr lang="en-US" dirty="0"/>
           </a:p>
           <a:p>
             <a:pPr lvl="1"/>
             <a:r>
               <a:rPr lang="en-US" dirty="0"/>
-              <a:t>Add metadata: write comments and document  the content of all  data files</a:t>
+              <a:t> Machine image</a:t>
+            </a:r>
+          </a:p>
+          <a:p>
+            <a:pPr lvl="2"/>
+            <a:r>
+              <a:rPr lang="en-US" dirty="0"/>
+              <a:t>Docker: popular, not on </a:t>
+            </a:r>
+            <a:r>
+              <a:rPr lang="en-US" dirty="0" err="1"/>
+              <a:t>Crunchomics</a:t>
+            </a:r>
+            <a:endParaRPr lang="en-US" dirty="0"/>
+          </a:p>
+          <a:p>
+            <a:pPr lvl="2"/>
+            <a:r>
+              <a:rPr lang="en-US" dirty="0"/>
+              <a:t>Singularity on </a:t>
+            </a:r>
+            <a:r>
+              <a:rPr lang="en-US" dirty="0" err="1"/>
+              <a:t>Crunchomics</a:t>
+            </a:r>
+            <a:r>
+              <a:rPr lang="en-US" dirty="0"/>
+              <a:t> not yet very common</a:t>
             </a:r>
           </a:p>
           <a:p>
             <a:pPr lvl="1"/>
             <a:r>
               <a:rPr lang="en-US" dirty="0"/>
-              <a:t>Avoid manual tweaks of the data in the pipeline  </a:t>
-            </a:r>
-          </a:p>
-          <a:p>
-            <a:r>
-              <a:rPr lang="en-US" dirty="0"/>
-              <a:t>Clean at the end</a:t>
-            </a:r>
-          </a:p>
-          <a:p>
-            <a:pPr lvl="1"/>
-            <a:endParaRPr lang="en-US" dirty="0"/>
-          </a:p>
-          <a:p>
-            <a:endParaRPr lang="en-US" dirty="0"/>
+              <a:t>Own infrastructure </a:t>
+            </a:r>
+          </a:p>
+          <a:p>
+            <a:pPr lvl="2"/>
+            <a:r>
+              <a:rPr lang="en-US" dirty="0"/>
+              <a:t>Real</a:t>
+            </a:r>
+          </a:p>
+          <a:p>
+            <a:pPr lvl="2"/>
+            <a:r>
+              <a:rPr lang="en-US" dirty="0"/>
+              <a:t>Cloud</a:t>
+            </a:r>
           </a:p>
         </p:txBody>
       </p:sp>
     </p:spTree>
     <p:extLst>
       <p:ext uri="{BB962C8B-B14F-4D97-AF65-F5344CB8AC3E}">
-        <p14:creationId xmlns:p14="http://schemas.microsoft.com/office/powerpoint/2010/main" val="244366286"/>
+        <p14:creationId xmlns:p14="http://schemas.microsoft.com/office/powerpoint/2010/main" val="3965293880"/>
       </p:ext>
     </p:extLst>
   </p:cSld>
@@ -5822,7 +6279,7 @@
           <p:cNvPr id="2" name="Titel 1">
             <a:extLst>
               <a:ext uri="{FF2B5EF4-FFF2-40B4-BE49-F238E27FC236}">
-                <a16:creationId xmlns:a16="http://schemas.microsoft.com/office/drawing/2014/main" id="{FC2E1851-C545-45E1-A35D-EC211EDD2094}"/>
+                <a16:creationId xmlns:a16="http://schemas.microsoft.com/office/drawing/2014/main" id="{9B16E0E7-4094-49B1-B3F2-FF133E0AC9D3}"/>
               </a:ext>
             </a:extLst>
           </p:cNvPr>
@@ -5840,13 +6297,8 @@
           <a:p>
             <a:r>
               <a:rPr lang="en-US" dirty="0"/>
-              <a:t>Software management: </a:t>
-            </a:r>
-            <a:r>
-              <a:rPr lang="en-US" dirty="0" err="1"/>
-              <a:t>conda</a:t>
-            </a:r>
-            <a:endParaRPr lang="en-US" dirty="0"/>
+              <a:t>History management</a:t>
+            </a:r>
           </a:p>
         </p:txBody>
       </p:sp>
@@ -5855,7 +6307,7 @@
           <p:cNvPr id="3" name="Tijdelijke aanduiding voor inhoud 2">
             <a:extLst>
               <a:ext uri="{FF2B5EF4-FFF2-40B4-BE49-F238E27FC236}">
-                <a16:creationId xmlns:a16="http://schemas.microsoft.com/office/drawing/2014/main" id="{BE1D9E69-715B-4319-87C4-1A7F783ACD17}"/>
+                <a16:creationId xmlns:a16="http://schemas.microsoft.com/office/drawing/2014/main" id="{7B3BB65C-7D41-4AA1-85F0-60289D201F3C}"/>
               </a:ext>
             </a:extLst>
           </p:cNvPr>
@@ -5873,42 +6325,25 @@
           <a:p>
             <a:r>
               <a:rPr lang="en-US" dirty="0"/>
-              <a:t>User controlled installation of tools: no admin privileges needed</a:t>
-            </a:r>
-          </a:p>
-          <a:p>
-            <a:pPr lvl="1"/>
-            <a:r>
-              <a:rPr lang="en-US" dirty="0"/>
-              <a:t>Large collection of tools and programs </a:t>
-            </a:r>
-          </a:p>
-          <a:p>
-            <a:pPr lvl="1"/>
-            <a:r>
-              <a:rPr lang="en-US" dirty="0"/>
-              <a:t>Control over versions of programs  and libraries. </a:t>
-            </a:r>
-          </a:p>
-          <a:p>
-            <a:pPr lvl="1"/>
-            <a:r>
-              <a:rPr lang="en-US" dirty="0"/>
-              <a:t>Separate environments for different tools</a:t>
-            </a:r>
-          </a:p>
-          <a:p>
-            <a:pPr lvl="1"/>
-            <a:r>
-              <a:rPr lang="en-US" dirty="0"/>
-              <a:t>Environments can be complicated,  it usually works, debugging hard. </a:t>
-            </a:r>
-          </a:p>
-          <a:p>
-            <a:pPr lvl="1"/>
-            <a:r>
-              <a:rPr lang="en-US" dirty="0"/>
-              <a:t>storage space needed,  usually small compared to data</a:t>
+              <a:t>Scripts tend to evolve over time</a:t>
+            </a:r>
+          </a:p>
+          <a:p>
+            <a:r>
+              <a:rPr lang="en-US" dirty="0"/>
+              <a:t>Features are added and removed </a:t>
+            </a:r>
+          </a:p>
+          <a:p>
+            <a:r>
+              <a:rPr lang="en-US" dirty="0"/>
+              <a:t>Script files are split over multiple files or merged </a:t>
+            </a:r>
+          </a:p>
+          <a:p>
+            <a:r>
+              <a:rPr lang="en-US" dirty="0"/>
+              <a:t>Go back to older version as improvement did not work out as expected </a:t>
             </a:r>
           </a:p>
         </p:txBody>
@@ -5916,7 +6351,7 @@
     </p:spTree>
     <p:extLst>
       <p:ext uri="{BB962C8B-B14F-4D97-AF65-F5344CB8AC3E}">
-        <p14:creationId xmlns:p14="http://schemas.microsoft.com/office/powerpoint/2010/main" val="3965293880"/>
+        <p14:creationId xmlns:p14="http://schemas.microsoft.com/office/powerpoint/2010/main" val="1404557149"/>
       </p:ext>
     </p:extLst>
   </p:cSld>
@@ -5948,7 +6383,7 @@
           <p:cNvPr id="2" name="Titel 1">
             <a:extLst>
               <a:ext uri="{FF2B5EF4-FFF2-40B4-BE49-F238E27FC236}">
-                <a16:creationId xmlns:a16="http://schemas.microsoft.com/office/drawing/2014/main" id="{23A848F1-BDD4-4CD7-947D-9286A281C19E}"/>
+                <a16:creationId xmlns:a16="http://schemas.microsoft.com/office/drawing/2014/main" id="{50A05844-E71A-4CF2-B08C-F880B192BD8C}"/>
               </a:ext>
             </a:extLst>
           </p:cNvPr>
@@ -5966,7 +6401,7 @@
           <a:p>
             <a:r>
               <a:rPr lang="en-US" dirty="0"/>
-              <a:t>Software management</a:t>
+              <a:t>Git</a:t>
             </a:r>
           </a:p>
         </p:txBody>
@@ -5976,7 +6411,7 @@
           <p:cNvPr id="3" name="Tijdelijke aanduiding voor inhoud 2">
             <a:extLst>
               <a:ext uri="{FF2B5EF4-FFF2-40B4-BE49-F238E27FC236}">
-                <a16:creationId xmlns:a16="http://schemas.microsoft.com/office/drawing/2014/main" id="{18C82309-55FF-465C-B13F-9C4465D937AE}"/>
+                <a16:creationId xmlns:a16="http://schemas.microsoft.com/office/drawing/2014/main" id="{6E9C2FD0-59A3-4F43-B746-CD4609282E5C}"/>
               </a:ext>
             </a:extLst>
           </p:cNvPr>
@@ -5987,46 +6422,87 @@
             <p:ph idx="1"/>
           </p:nvPr>
         </p:nvSpPr>
-        <p:spPr/>
+        <p:spPr>
+          <a:xfrm>
+            <a:off x="818712" y="2222287"/>
+            <a:ext cx="5595150" cy="3636511"/>
+          </a:xfrm>
+        </p:spPr>
         <p:txBody>
           <a:bodyPr/>
           <a:lstStyle/>
           <a:p>
             <a:r>
-              <a:rPr lang="en-US" dirty="0"/>
-              <a:t>Downloading and compiling code </a:t>
-            </a:r>
-          </a:p>
-          <a:p>
-            <a:r>
-              <a:rPr lang="en-US" dirty="0"/>
-              <a:t>Running virtual machine images</a:t>
-            </a:r>
-          </a:p>
-          <a:p>
-            <a:pPr lvl="1"/>
-            <a:r>
-              <a:rPr lang="en-US" dirty="0"/>
-              <a:t> General: Docker</a:t>
-            </a:r>
-          </a:p>
-          <a:p>
-            <a:pPr lvl="1"/>
-            <a:r>
-              <a:rPr lang="en-US" dirty="0" err="1"/>
-              <a:t>Crunchomics</a:t>
-            </a:r>
-            <a:r>
-              <a:rPr lang="en-US" dirty="0"/>
-              <a:t>: Singularity</a:t>
-            </a:r>
-          </a:p>
-        </p:txBody>
-      </p:sp>
+              <a:rPr lang="en-GB" dirty="0"/>
+              <a:t>Store history of changes </a:t>
+            </a:r>
+          </a:p>
+          <a:p>
+            <a:r>
+              <a:rPr lang="en-GB" dirty="0"/>
+              <a:t>Branching</a:t>
+            </a:r>
+          </a:p>
+          <a:p>
+            <a:r>
+              <a:rPr lang="en-GB" dirty="0"/>
+              <a:t>Distributed people can cooperate</a:t>
+            </a:r>
+          </a:p>
+          <a:p>
+            <a:r>
+              <a:rPr lang="en-GB" dirty="0"/>
+              <a:t>Complex at first </a:t>
+            </a:r>
+          </a:p>
+          <a:p>
+            <a:r>
+              <a:rPr lang="en-GB" dirty="0"/>
+              <a:t>Not  restricted to code</a:t>
+            </a:r>
+          </a:p>
+          <a:p>
+            <a:r>
+              <a:rPr lang="en-GB" dirty="0"/>
+              <a:t>Not big data</a:t>
+            </a:r>
+          </a:p>
+        </p:txBody>
+      </p:sp>
+      <p:pic>
+        <p:nvPicPr>
+          <p:cNvPr id="5" name="Afbeelding 4">
+            <a:extLst>
+              <a:ext uri="{FF2B5EF4-FFF2-40B4-BE49-F238E27FC236}">
+                <a16:creationId xmlns:a16="http://schemas.microsoft.com/office/drawing/2014/main" id="{4C0D41E3-1110-42D6-8E5A-E3F1E47C6A48}"/>
+              </a:ext>
+            </a:extLst>
+          </p:cNvPr>
+          <p:cNvPicPr>
+            <a:picLocks noChangeAspect="1"/>
+          </p:cNvPicPr>
+          <p:nvPr/>
+        </p:nvPicPr>
+        <p:blipFill>
+          <a:blip r:embed="rId2"/>
+          <a:stretch>
+            <a:fillRect/>
+          </a:stretch>
+        </p:blipFill>
+        <p:spPr>
+          <a:xfrm>
+            <a:off x="6413862" y="2047191"/>
+            <a:ext cx="5595150" cy="4531964"/>
+          </a:xfrm>
+          <a:prstGeom prst="rect">
+            <a:avLst/>
+          </a:prstGeom>
+        </p:spPr>
+      </p:pic>
     </p:spTree>
     <p:extLst>
       <p:ext uri="{BB962C8B-B14F-4D97-AF65-F5344CB8AC3E}">
-        <p14:creationId xmlns:p14="http://schemas.microsoft.com/office/powerpoint/2010/main" val="634612420"/>
+        <p14:creationId xmlns:p14="http://schemas.microsoft.com/office/powerpoint/2010/main" val="2702811381"/>
       </p:ext>
     </p:extLst>
   </p:cSld>
@@ -6058,7 +6534,7 @@
           <p:cNvPr id="2" name="Titel 1">
             <a:extLst>
               <a:ext uri="{FF2B5EF4-FFF2-40B4-BE49-F238E27FC236}">
-                <a16:creationId xmlns:a16="http://schemas.microsoft.com/office/drawing/2014/main" id="{6074FF8D-2BFA-42B5-9C8A-2A575A7A9E70}"/>
+                <a16:creationId xmlns:a16="http://schemas.microsoft.com/office/drawing/2014/main" id="{80871D2C-AF35-4610-80E8-94DD515742E5}"/>
               </a:ext>
             </a:extLst>
           </p:cNvPr>
@@ -6076,83 +6552,396 @@
           <a:p>
             <a:r>
               <a:rPr lang="en-US" dirty="0"/>
-              <a:t>Development and distribution: Git(hub) </a:t>
-            </a:r>
-          </a:p>
-        </p:txBody>
-      </p:sp>
-      <p:sp>
-        <p:nvSpPr>
-          <p:cNvPr id="3" name="Tijdelijke aanduiding voor inhoud 2">
+              <a:t>Working directory and repository </a:t>
+            </a:r>
+          </a:p>
+        </p:txBody>
+      </p:sp>
+      <p:pic>
+        <p:nvPicPr>
+          <p:cNvPr id="4" name="Tijdelijke aanduiding voor inhoud 3">
             <a:extLst>
               <a:ext uri="{FF2B5EF4-FFF2-40B4-BE49-F238E27FC236}">
-                <a16:creationId xmlns:a16="http://schemas.microsoft.com/office/drawing/2014/main" id="{28BC0A37-151B-4643-9D93-195A25B73B97}"/>
+                <a16:creationId xmlns:a16="http://schemas.microsoft.com/office/drawing/2014/main" id="{7E1EBDFF-2BDC-4BD9-91B6-7A18DBCC1572}"/>
               </a:ext>
             </a:extLst>
           </p:cNvPr>
-          <p:cNvSpPr>
-            <a:spLocks noGrp="1"/>
-          </p:cNvSpPr>
+          <p:cNvPicPr>
+            <a:picLocks noGrp="1" noChangeAspect="1"/>
+          </p:cNvPicPr>
           <p:nvPr>
             <p:ph idx="1"/>
           </p:nvPr>
-        </p:nvSpPr>
-        <p:spPr/>
-        <p:txBody>
-          <a:bodyPr/>
-          <a:lstStyle/>
-          <a:p>
-            <a:r>
-              <a:rPr lang="en-US" dirty="0"/>
-              <a:t>During analysis: incremental code development</a:t>
-            </a:r>
-          </a:p>
-          <a:p>
-            <a:r>
-              <a:rPr lang="en-US" dirty="0"/>
-              <a:t>Tracking changes</a:t>
-            </a:r>
-          </a:p>
-          <a:p>
-            <a:pPr lvl="1"/>
-            <a:r>
-              <a:rPr lang="en-US" dirty="0"/>
-              <a:t>Restore from older revision if change does not work</a:t>
-            </a:r>
-          </a:p>
-          <a:p>
-            <a:pPr lvl="1"/>
-            <a:r>
-              <a:rPr lang="en-US" dirty="0"/>
-              <a:t>Develop and run code  concurrently </a:t>
-            </a:r>
-          </a:p>
-          <a:p>
-            <a:r>
-              <a:rPr lang="en-US" dirty="0"/>
-              <a:t>Cooperative development team working on code</a:t>
-            </a:r>
-          </a:p>
-          <a:p>
-            <a:r>
-              <a:rPr lang="en-US" dirty="0"/>
-              <a:t>Code distribution:  getting stuff from (or to) </a:t>
-            </a:r>
-            <a:r>
-              <a:rPr lang="en-US" dirty="0" err="1"/>
-              <a:t>Github</a:t>
-            </a:r>
-            <a:r>
-              <a:rPr lang="en-US" dirty="0"/>
-              <a:t>.    </a:t>
-            </a:r>
+        </p:nvPicPr>
+        <p:blipFill>
+          <a:blip r:embed="rId2"/>
+          <a:stretch>
+            <a:fillRect/>
+          </a:stretch>
+        </p:blipFill>
+        <p:spPr>
+          <a:xfrm>
+            <a:off x="6484620" y="2163933"/>
+            <a:ext cx="5477671" cy="4433453"/>
+          </a:xfrm>
+          <a:prstGeom prst="rect">
+            <a:avLst/>
+          </a:prstGeom>
+        </p:spPr>
+      </p:pic>
+      <p:sp>
+        <p:nvSpPr>
+          <p:cNvPr id="5" name="Rechthoek 4">
+            <a:extLst>
+              <a:ext uri="{FF2B5EF4-FFF2-40B4-BE49-F238E27FC236}">
+                <a16:creationId xmlns:a16="http://schemas.microsoft.com/office/drawing/2014/main" id="{007EE8E6-0BC1-4000-ABBD-87A8A868D52A}"/>
+              </a:ext>
+            </a:extLst>
+          </p:cNvPr>
+          <p:cNvSpPr/>
+          <p:nvPr/>
+        </p:nvSpPr>
+        <p:spPr>
+          <a:xfrm>
+            <a:off x="10107366" y="2163933"/>
+            <a:ext cx="1854924" cy="4433453"/>
+          </a:xfrm>
+          <a:prstGeom prst="rect">
+            <a:avLst/>
+          </a:prstGeom>
+          <a:noFill/>
+          <a:ln w="57150">
+            <a:solidFill>
+              <a:srgbClr val="FF0000"/>
+            </a:solidFill>
+          </a:ln>
+        </p:spPr>
+        <p:style>
+          <a:lnRef idx="2">
+            <a:schemeClr val="accent1">
+              <a:shade val="50000"/>
+            </a:schemeClr>
+          </a:lnRef>
+          <a:fillRef idx="1">
+            <a:schemeClr val="accent1"/>
+          </a:fillRef>
+          <a:effectRef idx="0">
+            <a:schemeClr val="accent1"/>
+          </a:effectRef>
+          <a:fontRef idx="minor">
+            <a:schemeClr val="lt1"/>
+          </a:fontRef>
+        </p:style>
+        <p:txBody>
+          <a:bodyPr rtlCol="0" anchor="ctr"/>
+          <a:lstStyle/>
+          <a:p>
+            <a:pPr algn="ctr"/>
+            <a:endParaRPr lang="en-US"/>
+          </a:p>
+        </p:txBody>
+      </p:sp>
+      <p:sp>
+        <p:nvSpPr>
+          <p:cNvPr id="6" name="Rechthoek 5">
+            <a:extLst>
+              <a:ext uri="{FF2B5EF4-FFF2-40B4-BE49-F238E27FC236}">
+                <a16:creationId xmlns:a16="http://schemas.microsoft.com/office/drawing/2014/main" id="{AC2B4530-F2CF-4B38-8EF8-E02F859A71A8}"/>
+              </a:ext>
+            </a:extLst>
+          </p:cNvPr>
+          <p:cNvSpPr/>
+          <p:nvPr/>
+        </p:nvSpPr>
+        <p:spPr>
+          <a:xfrm>
+            <a:off x="6484619" y="2163932"/>
+            <a:ext cx="3426804" cy="4433453"/>
+          </a:xfrm>
+          <a:prstGeom prst="rect">
+            <a:avLst/>
+          </a:prstGeom>
+          <a:noFill/>
+          <a:ln w="57150">
+            <a:solidFill>
+              <a:srgbClr val="FF0000"/>
+            </a:solidFill>
+          </a:ln>
+        </p:spPr>
+        <p:style>
+          <a:lnRef idx="2">
+            <a:schemeClr val="accent1">
+              <a:shade val="50000"/>
+            </a:schemeClr>
+          </a:lnRef>
+          <a:fillRef idx="1">
+            <a:schemeClr val="accent1"/>
+          </a:fillRef>
+          <a:effectRef idx="0">
+            <a:schemeClr val="accent1"/>
+          </a:effectRef>
+          <a:fontRef idx="minor">
+            <a:schemeClr val="lt1"/>
+          </a:fontRef>
+        </p:style>
+        <p:txBody>
+          <a:bodyPr rtlCol="0" anchor="ctr"/>
+          <a:lstStyle/>
+          <a:p>
+            <a:pPr algn="ctr"/>
+            <a:endParaRPr lang="en-US"/>
+          </a:p>
+        </p:txBody>
+      </p:sp>
+      <p:sp>
+        <p:nvSpPr>
+          <p:cNvPr id="7" name="Tijdelijke aanduiding voor inhoud 2">
+            <a:extLst>
+              <a:ext uri="{FF2B5EF4-FFF2-40B4-BE49-F238E27FC236}">
+                <a16:creationId xmlns:a16="http://schemas.microsoft.com/office/drawing/2014/main" id="{6C59CBBC-D583-4C1B-A183-BC42C78F7CFE}"/>
+              </a:ext>
+            </a:extLst>
+          </p:cNvPr>
+          <p:cNvSpPr txBox="1">
+            <a:spLocks/>
+          </p:cNvSpPr>
+          <p:nvPr/>
+        </p:nvSpPr>
+        <p:spPr>
+          <a:xfrm>
+            <a:off x="827424" y="2131060"/>
+            <a:ext cx="5461252" cy="3636511"/>
+          </a:xfrm>
+          <a:prstGeom prst="rect">
+            <a:avLst/>
+          </a:prstGeom>
+          <a:effectLst>
+            <a:outerShdw blurRad="50800" dir="14400000">
+              <a:srgbClr val="000000">
+                <a:alpha val="40000"/>
+              </a:srgbClr>
+            </a:outerShdw>
+          </a:effectLst>
+        </p:spPr>
+        <p:txBody>
+          <a:bodyPr vert="horz" lIns="91440" tIns="45720" rIns="91440" bIns="45720" rtlCol="0" anchor="ctr">
+            <a:normAutofit/>
+          </a:bodyPr>
+          <a:lstStyle>
+            <a:lvl1pPr marL="342900" indent="-342900" algn="l" defTabSz="457200" rtl="0" eaLnBrk="1" latinLnBrk="0" hangingPunct="1">
+              <a:spcBef>
+                <a:spcPct val="20000"/>
+              </a:spcBef>
+              <a:spcAft>
+                <a:spcPts val="600"/>
+              </a:spcAft>
+              <a:buClr>
+                <a:schemeClr val="accent1"/>
+              </a:buClr>
+              <a:buFont typeface="Wingdings 2" charset="2"/>
+              <a:buChar char=""/>
+              <a:defRPr sz="1800" kern="1200">
+                <a:solidFill>
+                  <a:schemeClr val="tx1"/>
+                </a:solidFill>
+                <a:latin typeface="+mn-lt"/>
+                <a:ea typeface="+mn-ea"/>
+                <a:cs typeface="+mn-cs"/>
+              </a:defRPr>
+            </a:lvl1pPr>
+            <a:lvl2pPr marL="742950" indent="-285750" algn="l" defTabSz="457200" rtl="0" eaLnBrk="1" latinLnBrk="0" hangingPunct="1">
+              <a:spcBef>
+                <a:spcPct val="20000"/>
+              </a:spcBef>
+              <a:spcAft>
+                <a:spcPts val="600"/>
+              </a:spcAft>
+              <a:buClr>
+                <a:schemeClr val="accent1"/>
+              </a:buClr>
+              <a:buFont typeface="Wingdings 2" charset="2"/>
+              <a:buChar char=""/>
+              <a:defRPr sz="1600" kern="1200">
+                <a:solidFill>
+                  <a:schemeClr val="tx1"/>
+                </a:solidFill>
+                <a:latin typeface="+mn-lt"/>
+                <a:ea typeface="+mn-ea"/>
+                <a:cs typeface="+mn-cs"/>
+              </a:defRPr>
+            </a:lvl2pPr>
+            <a:lvl3pPr marL="1143000" indent="-228600" algn="l" defTabSz="457200" rtl="0" eaLnBrk="1" latinLnBrk="0" hangingPunct="1">
+              <a:spcBef>
+                <a:spcPct val="20000"/>
+              </a:spcBef>
+              <a:spcAft>
+                <a:spcPts val="600"/>
+              </a:spcAft>
+              <a:buClr>
+                <a:schemeClr val="accent1"/>
+              </a:buClr>
+              <a:buFont typeface="Wingdings 2" charset="2"/>
+              <a:buChar char=""/>
+              <a:defRPr sz="1400" kern="1200">
+                <a:solidFill>
+                  <a:schemeClr val="tx1"/>
+                </a:solidFill>
+                <a:latin typeface="+mn-lt"/>
+                <a:ea typeface="+mn-ea"/>
+                <a:cs typeface="+mn-cs"/>
+              </a:defRPr>
+            </a:lvl3pPr>
+            <a:lvl4pPr marL="1600200" indent="-228600" algn="l" defTabSz="457200" rtl="0" eaLnBrk="1" latinLnBrk="0" hangingPunct="1">
+              <a:spcBef>
+                <a:spcPct val="20000"/>
+              </a:spcBef>
+              <a:spcAft>
+                <a:spcPts val="600"/>
+              </a:spcAft>
+              <a:buClr>
+                <a:schemeClr val="accent1"/>
+              </a:buClr>
+              <a:buFont typeface="Wingdings 2" charset="2"/>
+              <a:buChar char=""/>
+              <a:defRPr sz="1200" kern="1200">
+                <a:solidFill>
+                  <a:schemeClr val="tx1"/>
+                </a:solidFill>
+                <a:latin typeface="+mn-lt"/>
+                <a:ea typeface="+mn-ea"/>
+                <a:cs typeface="+mn-cs"/>
+              </a:defRPr>
+            </a:lvl4pPr>
+            <a:lvl5pPr marL="2057400" indent="-228600" algn="l" defTabSz="457200" rtl="0" eaLnBrk="1" latinLnBrk="0" hangingPunct="1">
+              <a:spcBef>
+                <a:spcPct val="20000"/>
+              </a:spcBef>
+              <a:spcAft>
+                <a:spcPts val="600"/>
+              </a:spcAft>
+              <a:buClr>
+                <a:schemeClr val="accent1"/>
+              </a:buClr>
+              <a:buFont typeface="Wingdings 2" charset="2"/>
+              <a:buChar char=""/>
+              <a:defRPr sz="1200" kern="1200">
+                <a:solidFill>
+                  <a:schemeClr val="tx1"/>
+                </a:solidFill>
+                <a:latin typeface="+mn-lt"/>
+                <a:ea typeface="+mn-ea"/>
+                <a:cs typeface="+mn-cs"/>
+              </a:defRPr>
+            </a:lvl5pPr>
+            <a:lvl6pPr marL="2400000" indent="-228600" algn="l" defTabSz="457200" rtl="0" eaLnBrk="1" latinLnBrk="0" hangingPunct="1">
+              <a:spcBef>
+                <a:spcPct val="20000"/>
+              </a:spcBef>
+              <a:spcAft>
+                <a:spcPts val="600"/>
+              </a:spcAft>
+              <a:buClr>
+                <a:schemeClr val="accent1"/>
+              </a:buClr>
+              <a:buFont typeface="Wingdings 2" charset="2"/>
+              <a:buChar char=""/>
+              <a:defRPr sz="1200" kern="1200">
+                <a:solidFill>
+                  <a:schemeClr val="tx1"/>
+                </a:solidFill>
+                <a:latin typeface="+mn-lt"/>
+                <a:ea typeface="+mn-ea"/>
+                <a:cs typeface="+mn-cs"/>
+              </a:defRPr>
+            </a:lvl6pPr>
+            <a:lvl7pPr marL="2800000" indent="-228600" algn="l" defTabSz="457200" rtl="0" eaLnBrk="1" latinLnBrk="0" hangingPunct="1">
+              <a:spcBef>
+                <a:spcPct val="20000"/>
+              </a:spcBef>
+              <a:spcAft>
+                <a:spcPts val="600"/>
+              </a:spcAft>
+              <a:buClr>
+                <a:schemeClr val="accent1"/>
+              </a:buClr>
+              <a:buFont typeface="Wingdings 2" charset="2"/>
+              <a:buChar char=""/>
+              <a:defRPr sz="1200" kern="1200">
+                <a:solidFill>
+                  <a:schemeClr val="tx1"/>
+                </a:solidFill>
+                <a:latin typeface="+mn-lt"/>
+                <a:ea typeface="+mn-ea"/>
+                <a:cs typeface="+mn-cs"/>
+              </a:defRPr>
+            </a:lvl7pPr>
+            <a:lvl8pPr marL="3200000" indent="-228600" algn="l" defTabSz="457200" rtl="0" eaLnBrk="1" latinLnBrk="0" hangingPunct="1">
+              <a:spcBef>
+                <a:spcPct val="20000"/>
+              </a:spcBef>
+              <a:spcAft>
+                <a:spcPts val="600"/>
+              </a:spcAft>
+              <a:buClr>
+                <a:schemeClr val="accent1"/>
+              </a:buClr>
+              <a:buFont typeface="Wingdings 2" charset="2"/>
+              <a:buChar char=""/>
+              <a:defRPr sz="1200" kern="1200">
+                <a:solidFill>
+                  <a:schemeClr val="tx1"/>
+                </a:solidFill>
+                <a:latin typeface="+mn-lt"/>
+                <a:ea typeface="+mn-ea"/>
+                <a:cs typeface="+mn-cs"/>
+              </a:defRPr>
+            </a:lvl8pPr>
+            <a:lvl9pPr marL="3600000" indent="-228600" algn="l" defTabSz="457200" rtl="0" eaLnBrk="1" latinLnBrk="0" hangingPunct="1">
+              <a:spcBef>
+                <a:spcPct val="20000"/>
+              </a:spcBef>
+              <a:spcAft>
+                <a:spcPts val="600"/>
+              </a:spcAft>
+              <a:buClr>
+                <a:schemeClr val="accent1"/>
+              </a:buClr>
+              <a:buFont typeface="Wingdings 2" charset="2"/>
+              <a:buChar char=""/>
+              <a:defRPr sz="1200" kern="1200">
+                <a:solidFill>
+                  <a:schemeClr val="tx1"/>
+                </a:solidFill>
+                <a:latin typeface="+mn-lt"/>
+                <a:ea typeface="+mn-ea"/>
+                <a:cs typeface="+mn-cs"/>
+              </a:defRPr>
+            </a:lvl9pPr>
+          </a:lstStyle>
+          <a:p>
+            <a:r>
+              <a:rPr lang="en-US" dirty="0"/>
+              <a:t>Working files: a directory  with a set of files and subdirectories which develop over time  </a:t>
+            </a:r>
+          </a:p>
+          <a:p>
+            <a:r>
+              <a:rPr lang="en-US" dirty="0"/>
+              <a:t>Repository: usually in the .git directory</a:t>
+            </a:r>
+          </a:p>
+          <a:p>
+            <a:pPr marL="0" indent="0">
+              <a:buNone/>
+            </a:pPr>
+            <a:endParaRPr lang="en-US" dirty="0"/>
           </a:p>
         </p:txBody>
       </p:sp>
     </p:spTree>
     <p:extLst>
       <p:ext uri="{BB962C8B-B14F-4D97-AF65-F5344CB8AC3E}">
-        <p14:creationId xmlns:p14="http://schemas.microsoft.com/office/powerpoint/2010/main" val="1574802423"/>
+        <p14:creationId xmlns:p14="http://schemas.microsoft.com/office/powerpoint/2010/main" val="481039767"/>
       </p:ext>
     </p:extLst>
   </p:cSld>
@@ -6184,7 +6973,7 @@
           <p:cNvPr id="2" name="Titel 1">
             <a:extLst>
               <a:ext uri="{FF2B5EF4-FFF2-40B4-BE49-F238E27FC236}">
-                <a16:creationId xmlns:a16="http://schemas.microsoft.com/office/drawing/2014/main" id="{9C7DB70D-9CE3-4D62-837F-2DB44020DDFA}"/>
+                <a16:creationId xmlns:a16="http://schemas.microsoft.com/office/drawing/2014/main" id="{317B3024-592A-4EBC-920C-ECD08F72C2EA}"/>
               </a:ext>
             </a:extLst>
           </p:cNvPr>
@@ -6202,31 +6991,180 @@
           <a:p>
             <a:r>
               <a:rPr lang="en-US" dirty="0"/>
-              <a:t>Practical</a:t>
-            </a:r>
-          </a:p>
-        </p:txBody>
-      </p:sp>
-      <p:sp>
-        <p:nvSpPr>
-          <p:cNvPr id="3" name="Tijdelijke aanduiding voor inhoud 2">
+              <a:t>Staging and committing </a:t>
+            </a:r>
+          </a:p>
+        </p:txBody>
+      </p:sp>
+      <p:pic>
+        <p:nvPicPr>
+          <p:cNvPr id="4" name="Tijdelijke aanduiding voor inhoud 3">
             <a:extLst>
               <a:ext uri="{FF2B5EF4-FFF2-40B4-BE49-F238E27FC236}">
-                <a16:creationId xmlns:a16="http://schemas.microsoft.com/office/drawing/2014/main" id="{50A491D1-4251-4F79-91DD-BE7F6F7E1CD0}"/>
+                <a16:creationId xmlns:a16="http://schemas.microsoft.com/office/drawing/2014/main" id="{48981FB4-F163-473B-84C5-98307FF1D109}"/>
               </a:ext>
             </a:extLst>
           </p:cNvPr>
-          <p:cNvSpPr>
-            <a:spLocks noGrp="1"/>
-          </p:cNvSpPr>
-          <p:nvPr>
-            <p:ph idx="1"/>
-          </p:nvPr>
-        </p:nvSpPr>
+          <p:cNvPicPr>
+            <a:picLocks noChangeAspect="1"/>
+          </p:cNvPicPr>
+          <p:nvPr/>
+        </p:nvPicPr>
+        <p:blipFill>
+          <a:blip r:embed="rId2"/>
+          <a:stretch>
+            <a:fillRect/>
+          </a:stretch>
+        </p:blipFill>
         <p:spPr>
           <a:xfrm>
-            <a:off x="818711" y="2222287"/>
-            <a:ext cx="10924797" cy="3636511"/>
+            <a:off x="6096000" y="2144123"/>
+            <a:ext cx="5477671" cy="4433453"/>
+          </a:xfrm>
+          <a:prstGeom prst="rect">
+            <a:avLst/>
+          </a:prstGeom>
+          <a:effectLst>
+            <a:outerShdw blurRad="50800" dir="14400000">
+              <a:srgbClr val="000000">
+                <a:alpha val="40000"/>
+              </a:srgbClr>
+            </a:outerShdw>
+          </a:effectLst>
+        </p:spPr>
+      </p:pic>
+      <p:sp>
+        <p:nvSpPr>
+          <p:cNvPr id="5" name="Rechthoek 4">
+            <a:extLst>
+              <a:ext uri="{FF2B5EF4-FFF2-40B4-BE49-F238E27FC236}">
+                <a16:creationId xmlns:a16="http://schemas.microsoft.com/office/drawing/2014/main" id="{E020214D-5705-4189-B171-53E6996466C9}"/>
+              </a:ext>
+            </a:extLst>
+          </p:cNvPr>
+          <p:cNvSpPr/>
+          <p:nvPr/>
+        </p:nvSpPr>
+        <p:spPr>
+          <a:xfrm>
+            <a:off x="9679558" y="5049009"/>
+            <a:ext cx="1110343" cy="1548376"/>
+          </a:xfrm>
+          <a:prstGeom prst="rect">
+            <a:avLst/>
+          </a:prstGeom>
+          <a:noFill/>
+          <a:ln w="28575">
+            <a:solidFill>
+              <a:srgbClr val="FF0000"/>
+            </a:solidFill>
+          </a:ln>
+        </p:spPr>
+        <p:style>
+          <a:lnRef idx="2">
+            <a:schemeClr val="accent1">
+              <a:shade val="50000"/>
+            </a:schemeClr>
+          </a:lnRef>
+          <a:fillRef idx="1">
+            <a:schemeClr val="accent1"/>
+          </a:fillRef>
+          <a:effectRef idx="0">
+            <a:schemeClr val="accent1"/>
+          </a:effectRef>
+          <a:fontRef idx="minor">
+            <a:schemeClr val="lt1"/>
+          </a:fontRef>
+        </p:style>
+        <p:txBody>
+          <a:bodyPr rtlCol="0" anchor="ctr"/>
+          <a:lstStyle/>
+          <a:p>
+            <a:pPr algn="ctr"/>
+            <a:endParaRPr lang="en-US">
+              <a:solidFill>
+                <a:srgbClr val="FF0000"/>
+              </a:solidFill>
+            </a:endParaRPr>
+          </a:p>
+        </p:txBody>
+      </p:sp>
+      <p:sp>
+        <p:nvSpPr>
+          <p:cNvPr id="6" name="Rechthoek 5">
+            <a:extLst>
+              <a:ext uri="{FF2B5EF4-FFF2-40B4-BE49-F238E27FC236}">
+                <a16:creationId xmlns:a16="http://schemas.microsoft.com/office/drawing/2014/main" id="{356B90B5-9E35-43AF-A119-3179D5EFE3CC}"/>
+              </a:ext>
+            </a:extLst>
+          </p:cNvPr>
+          <p:cNvSpPr/>
+          <p:nvPr/>
+        </p:nvSpPr>
+        <p:spPr>
+          <a:xfrm>
+            <a:off x="7519833" y="2144122"/>
+            <a:ext cx="2316479" cy="4433453"/>
+          </a:xfrm>
+          <a:prstGeom prst="rect">
+            <a:avLst/>
+          </a:prstGeom>
+          <a:noFill/>
+          <a:ln w="28575">
+            <a:solidFill>
+              <a:srgbClr val="FF0000"/>
+            </a:solidFill>
+          </a:ln>
+        </p:spPr>
+        <p:style>
+          <a:lnRef idx="2">
+            <a:schemeClr val="accent1">
+              <a:shade val="50000"/>
+            </a:schemeClr>
+          </a:lnRef>
+          <a:fillRef idx="1">
+            <a:schemeClr val="accent1"/>
+          </a:fillRef>
+          <a:effectRef idx="0">
+            <a:schemeClr val="accent1"/>
+          </a:effectRef>
+          <a:fontRef idx="minor">
+            <a:schemeClr val="lt1"/>
+          </a:fontRef>
+        </p:style>
+        <p:txBody>
+          <a:bodyPr rtlCol="0" anchor="ctr"/>
+          <a:lstStyle/>
+          <a:p>
+            <a:pPr algn="ctr"/>
+            <a:endParaRPr lang="en-US">
+              <a:solidFill>
+                <a:srgbClr val="FF0000"/>
+              </a:solidFill>
+            </a:endParaRPr>
+          </a:p>
+        </p:txBody>
+      </p:sp>
+      <p:sp>
+        <p:nvSpPr>
+          <p:cNvPr id="7" name="Tijdelijke aanduiding voor inhoud 2">
+            <a:extLst>
+              <a:ext uri="{FF2B5EF4-FFF2-40B4-BE49-F238E27FC236}">
+                <a16:creationId xmlns:a16="http://schemas.microsoft.com/office/drawing/2014/main" id="{983A6BD6-DD0F-463C-A3CB-CB4A6403C3AB}"/>
+              </a:ext>
+            </a:extLst>
+          </p:cNvPr>
+          <p:cNvSpPr>
+            <a:spLocks noGrp="1"/>
+          </p:cNvSpPr>
+          <p:nvPr>
+            <p:ph idx="1"/>
+          </p:nvPr>
+        </p:nvSpPr>
+        <p:spPr>
+          <a:xfrm>
+            <a:off x="827424" y="2131060"/>
+            <a:ext cx="5142302" cy="3636511"/>
           </a:xfrm>
         </p:spPr>
         <p:txBody>
@@ -6234,17 +7172,510 @@
           <a:lstStyle/>
           <a:p>
             <a:r>
-              <a:rPr lang="en-GB" dirty="0">
-                <a:hlinkClick r:id="rId2"/>
-              </a:rPr>
-              <a:t>https://sils-pub.science.uva.nl/mad/education/BBDA/bioinformatics/develop.html</a:t>
-            </a:r>
-            <a:endParaRPr lang="en-GB" dirty="0"/>
-          </a:p>
-          <a:p>
-            <a:pPr marL="0" indent="0">
-              <a:buNone/>
-            </a:pPr>
+              <a:rPr lang="en-US" dirty="0"/>
+              <a:t>Two steps to put file in repository </a:t>
+            </a:r>
+          </a:p>
+          <a:p>
+            <a:pPr lvl="1"/>
+            <a:r>
+              <a:rPr lang="en-US" dirty="0"/>
+              <a:t>Stage: set up file for storage </a:t>
+            </a:r>
+          </a:p>
+          <a:p>
+            <a:pPr lvl="1"/>
+            <a:r>
+              <a:rPr lang="en-US" dirty="0"/>
+              <a:t>Commit: store all staged files</a:t>
+            </a:r>
+          </a:p>
+          <a:p>
+            <a:r>
+              <a:rPr lang="en-US" dirty="0"/>
+              <a:t>Commits can be restored </a:t>
+            </a:r>
+          </a:p>
+          <a:p>
+            <a:r>
+              <a:rPr lang="en-US" dirty="0"/>
+              <a:t>Tags can be used to name commits</a:t>
+            </a:r>
+          </a:p>
+        </p:txBody>
+      </p:sp>
+      <p:sp>
+        <p:nvSpPr>
+          <p:cNvPr id="9" name="Vrije vorm: vorm 8">
+            <a:extLst>
+              <a:ext uri="{FF2B5EF4-FFF2-40B4-BE49-F238E27FC236}">
+                <a16:creationId xmlns:a16="http://schemas.microsoft.com/office/drawing/2014/main" id="{F77A8B2F-D955-43A6-BE49-587DE0CBEE8E}"/>
+              </a:ext>
+            </a:extLst>
+          </p:cNvPr>
+          <p:cNvSpPr/>
+          <p:nvPr/>
+        </p:nvSpPr>
+        <p:spPr>
+          <a:xfrm>
+            <a:off x="10319657" y="5452382"/>
+            <a:ext cx="853712" cy="384810"/>
+          </a:xfrm>
+          <a:custGeom>
+            <a:avLst/>
+            <a:gdLst>
+              <a:gd name="connsiteX0" fmla="*/ 849086 w 849086"/>
+              <a:gd name="connsiteY0" fmla="*/ 0 h 404948"/>
+              <a:gd name="connsiteX1" fmla="*/ 130629 w 849086"/>
+              <a:gd name="connsiteY1" fmla="*/ 39188 h 404948"/>
+              <a:gd name="connsiteX2" fmla="*/ 0 w 849086"/>
+              <a:gd name="connsiteY2" fmla="*/ 209005 h 404948"/>
+              <a:gd name="connsiteX3" fmla="*/ 209006 w 849086"/>
+              <a:gd name="connsiteY3" fmla="*/ 404948 h 404948"/>
+              <a:gd name="connsiteX4" fmla="*/ 809897 w 849086"/>
+              <a:gd name="connsiteY4" fmla="*/ 404948 h 404948"/>
+              <a:gd name="connsiteX5" fmla="*/ 849086 w 849086"/>
+              <a:gd name="connsiteY5" fmla="*/ 0 h 404948"/>
+              <a:gd name="connsiteX0" fmla="*/ 849086 w 849086"/>
+              <a:gd name="connsiteY0" fmla="*/ 0 h 382088"/>
+              <a:gd name="connsiteX1" fmla="*/ 130629 w 849086"/>
+              <a:gd name="connsiteY1" fmla="*/ 16328 h 382088"/>
+              <a:gd name="connsiteX2" fmla="*/ 0 w 849086"/>
+              <a:gd name="connsiteY2" fmla="*/ 186145 h 382088"/>
+              <a:gd name="connsiteX3" fmla="*/ 209006 w 849086"/>
+              <a:gd name="connsiteY3" fmla="*/ 382088 h 382088"/>
+              <a:gd name="connsiteX4" fmla="*/ 809897 w 849086"/>
+              <a:gd name="connsiteY4" fmla="*/ 382088 h 382088"/>
+              <a:gd name="connsiteX5" fmla="*/ 849086 w 849086"/>
+              <a:gd name="connsiteY5" fmla="*/ 0 h 382088"/>
+              <a:gd name="connsiteX0" fmla="*/ 849086 w 849086"/>
+              <a:gd name="connsiteY0" fmla="*/ 4627 h 386715"/>
+              <a:gd name="connsiteX1" fmla="*/ 206829 w 849086"/>
+              <a:gd name="connsiteY1" fmla="*/ 0 h 386715"/>
+              <a:gd name="connsiteX2" fmla="*/ 0 w 849086"/>
+              <a:gd name="connsiteY2" fmla="*/ 190772 h 386715"/>
+              <a:gd name="connsiteX3" fmla="*/ 209006 w 849086"/>
+              <a:gd name="connsiteY3" fmla="*/ 386715 h 386715"/>
+              <a:gd name="connsiteX4" fmla="*/ 809897 w 849086"/>
+              <a:gd name="connsiteY4" fmla="*/ 386715 h 386715"/>
+              <a:gd name="connsiteX5" fmla="*/ 849086 w 849086"/>
+              <a:gd name="connsiteY5" fmla="*/ 4627 h 386715"/>
+              <a:gd name="connsiteX0" fmla="*/ 849086 w 849086"/>
+              <a:gd name="connsiteY0" fmla="*/ 4627 h 392430"/>
+              <a:gd name="connsiteX1" fmla="*/ 206829 w 849086"/>
+              <a:gd name="connsiteY1" fmla="*/ 0 h 392430"/>
+              <a:gd name="connsiteX2" fmla="*/ 0 w 849086"/>
+              <a:gd name="connsiteY2" fmla="*/ 190772 h 392430"/>
+              <a:gd name="connsiteX3" fmla="*/ 220436 w 849086"/>
+              <a:gd name="connsiteY3" fmla="*/ 392430 h 392430"/>
+              <a:gd name="connsiteX4" fmla="*/ 809897 w 849086"/>
+              <a:gd name="connsiteY4" fmla="*/ 386715 h 392430"/>
+              <a:gd name="connsiteX5" fmla="*/ 849086 w 849086"/>
+              <a:gd name="connsiteY5" fmla="*/ 4627 h 392430"/>
+              <a:gd name="connsiteX0" fmla="*/ 849086 w 853712"/>
+              <a:gd name="connsiteY0" fmla="*/ 4627 h 392430"/>
+              <a:gd name="connsiteX1" fmla="*/ 206829 w 853712"/>
+              <a:gd name="connsiteY1" fmla="*/ 0 h 392430"/>
+              <a:gd name="connsiteX2" fmla="*/ 0 w 853712"/>
+              <a:gd name="connsiteY2" fmla="*/ 190772 h 392430"/>
+              <a:gd name="connsiteX3" fmla="*/ 220436 w 853712"/>
+              <a:gd name="connsiteY3" fmla="*/ 392430 h 392430"/>
+              <a:gd name="connsiteX4" fmla="*/ 853712 w 853712"/>
+              <a:gd name="connsiteY4" fmla="*/ 381000 h 392430"/>
+              <a:gd name="connsiteX5" fmla="*/ 849086 w 853712"/>
+              <a:gd name="connsiteY5" fmla="*/ 4627 h 392430"/>
+              <a:gd name="connsiteX0" fmla="*/ 849086 w 853712"/>
+              <a:gd name="connsiteY0" fmla="*/ 4627 h 392430"/>
+              <a:gd name="connsiteX1" fmla="*/ 206829 w 853712"/>
+              <a:gd name="connsiteY1" fmla="*/ 0 h 392430"/>
+              <a:gd name="connsiteX2" fmla="*/ 0 w 853712"/>
+              <a:gd name="connsiteY2" fmla="*/ 190772 h 392430"/>
+              <a:gd name="connsiteX3" fmla="*/ 220436 w 853712"/>
+              <a:gd name="connsiteY3" fmla="*/ 392430 h 392430"/>
+              <a:gd name="connsiteX4" fmla="*/ 853712 w 853712"/>
+              <a:gd name="connsiteY4" fmla="*/ 381000 h 392430"/>
+              <a:gd name="connsiteX5" fmla="*/ 849086 w 853712"/>
+              <a:gd name="connsiteY5" fmla="*/ 4627 h 392430"/>
+              <a:gd name="connsiteX0" fmla="*/ 858611 w 858751"/>
+              <a:gd name="connsiteY0" fmla="*/ 4627 h 392430"/>
+              <a:gd name="connsiteX1" fmla="*/ 206829 w 858751"/>
+              <a:gd name="connsiteY1" fmla="*/ 0 h 392430"/>
+              <a:gd name="connsiteX2" fmla="*/ 0 w 858751"/>
+              <a:gd name="connsiteY2" fmla="*/ 190772 h 392430"/>
+              <a:gd name="connsiteX3" fmla="*/ 220436 w 858751"/>
+              <a:gd name="connsiteY3" fmla="*/ 392430 h 392430"/>
+              <a:gd name="connsiteX4" fmla="*/ 853712 w 858751"/>
+              <a:gd name="connsiteY4" fmla="*/ 381000 h 392430"/>
+              <a:gd name="connsiteX5" fmla="*/ 858611 w 858751"/>
+              <a:gd name="connsiteY5" fmla="*/ 4627 h 392430"/>
+              <a:gd name="connsiteX0" fmla="*/ 845276 w 853712"/>
+              <a:gd name="connsiteY0" fmla="*/ 4627 h 392430"/>
+              <a:gd name="connsiteX1" fmla="*/ 206829 w 853712"/>
+              <a:gd name="connsiteY1" fmla="*/ 0 h 392430"/>
+              <a:gd name="connsiteX2" fmla="*/ 0 w 853712"/>
+              <a:gd name="connsiteY2" fmla="*/ 190772 h 392430"/>
+              <a:gd name="connsiteX3" fmla="*/ 220436 w 853712"/>
+              <a:gd name="connsiteY3" fmla="*/ 392430 h 392430"/>
+              <a:gd name="connsiteX4" fmla="*/ 853712 w 853712"/>
+              <a:gd name="connsiteY4" fmla="*/ 381000 h 392430"/>
+              <a:gd name="connsiteX5" fmla="*/ 845276 w 853712"/>
+              <a:gd name="connsiteY5" fmla="*/ 4627 h 392430"/>
+              <a:gd name="connsiteX0" fmla="*/ 850991 w 853712"/>
+              <a:gd name="connsiteY0" fmla="*/ 4627 h 392430"/>
+              <a:gd name="connsiteX1" fmla="*/ 206829 w 853712"/>
+              <a:gd name="connsiteY1" fmla="*/ 0 h 392430"/>
+              <a:gd name="connsiteX2" fmla="*/ 0 w 853712"/>
+              <a:gd name="connsiteY2" fmla="*/ 190772 h 392430"/>
+              <a:gd name="connsiteX3" fmla="*/ 220436 w 853712"/>
+              <a:gd name="connsiteY3" fmla="*/ 392430 h 392430"/>
+              <a:gd name="connsiteX4" fmla="*/ 853712 w 853712"/>
+              <a:gd name="connsiteY4" fmla="*/ 381000 h 392430"/>
+              <a:gd name="connsiteX5" fmla="*/ 850991 w 853712"/>
+              <a:gd name="connsiteY5" fmla="*/ 4627 h 392430"/>
+              <a:gd name="connsiteX0" fmla="*/ 850991 w 853712"/>
+              <a:gd name="connsiteY0" fmla="*/ 4627 h 381000"/>
+              <a:gd name="connsiteX1" fmla="*/ 206829 w 853712"/>
+              <a:gd name="connsiteY1" fmla="*/ 0 h 381000"/>
+              <a:gd name="connsiteX2" fmla="*/ 0 w 853712"/>
+              <a:gd name="connsiteY2" fmla="*/ 190772 h 381000"/>
+              <a:gd name="connsiteX3" fmla="*/ 210911 w 853712"/>
+              <a:gd name="connsiteY3" fmla="*/ 371475 h 381000"/>
+              <a:gd name="connsiteX4" fmla="*/ 853712 w 853712"/>
+              <a:gd name="connsiteY4" fmla="*/ 381000 h 381000"/>
+              <a:gd name="connsiteX5" fmla="*/ 850991 w 853712"/>
+              <a:gd name="connsiteY5" fmla="*/ 4627 h 381000"/>
+              <a:gd name="connsiteX0" fmla="*/ 850991 w 853712"/>
+              <a:gd name="connsiteY0" fmla="*/ 4627 h 384810"/>
+              <a:gd name="connsiteX1" fmla="*/ 206829 w 853712"/>
+              <a:gd name="connsiteY1" fmla="*/ 0 h 384810"/>
+              <a:gd name="connsiteX2" fmla="*/ 0 w 853712"/>
+              <a:gd name="connsiteY2" fmla="*/ 190772 h 384810"/>
+              <a:gd name="connsiteX3" fmla="*/ 210911 w 853712"/>
+              <a:gd name="connsiteY3" fmla="*/ 384810 h 384810"/>
+              <a:gd name="connsiteX4" fmla="*/ 853712 w 853712"/>
+              <a:gd name="connsiteY4" fmla="*/ 381000 h 384810"/>
+              <a:gd name="connsiteX5" fmla="*/ 850991 w 853712"/>
+              <a:gd name="connsiteY5" fmla="*/ 4627 h 384810"/>
+            </a:gdLst>
+            <a:ahLst/>
+            <a:cxnLst>
+              <a:cxn ang="0">
+                <a:pos x="connsiteX0" y="connsiteY0"/>
+              </a:cxn>
+              <a:cxn ang="0">
+                <a:pos x="connsiteX1" y="connsiteY1"/>
+              </a:cxn>
+              <a:cxn ang="0">
+                <a:pos x="connsiteX2" y="connsiteY2"/>
+              </a:cxn>
+              <a:cxn ang="0">
+                <a:pos x="connsiteX3" y="connsiteY3"/>
+              </a:cxn>
+              <a:cxn ang="0">
+                <a:pos x="connsiteX4" y="connsiteY4"/>
+              </a:cxn>
+              <a:cxn ang="0">
+                <a:pos x="connsiteX5" y="connsiteY5"/>
+              </a:cxn>
+            </a:cxnLst>
+            <a:rect l="l" t="t" r="r" b="b"/>
+            <a:pathLst>
+              <a:path w="853712" h="384810">
+                <a:moveTo>
+                  <a:pt x="850991" y="4627"/>
+                </a:moveTo>
+                <a:lnTo>
+                  <a:pt x="206829" y="0"/>
+                </a:lnTo>
+                <a:lnTo>
+                  <a:pt x="0" y="190772"/>
+                </a:lnTo>
+                <a:lnTo>
+                  <a:pt x="210911" y="384810"/>
+                </a:lnTo>
+                <a:lnTo>
+                  <a:pt x="853712" y="381000"/>
+                </a:lnTo>
+                <a:cubicBezTo>
+                  <a:pt x="848360" y="173627"/>
+                  <a:pt x="852533" y="130085"/>
+                  <a:pt x="850991" y="4627"/>
+                </a:cubicBezTo>
+                <a:close/>
+              </a:path>
+            </a:pathLst>
+          </a:custGeom>
+          <a:noFill/>
+          <a:ln w="38100">
+            <a:solidFill>
+              <a:srgbClr val="00B050"/>
+            </a:solidFill>
+          </a:ln>
+        </p:spPr>
+        <p:style>
+          <a:lnRef idx="2">
+            <a:schemeClr val="accent1">
+              <a:shade val="50000"/>
+            </a:schemeClr>
+          </a:lnRef>
+          <a:fillRef idx="1">
+            <a:schemeClr val="accent1"/>
+          </a:fillRef>
+          <a:effectRef idx="0">
+            <a:schemeClr val="accent1"/>
+          </a:effectRef>
+          <a:fontRef idx="minor">
+            <a:schemeClr val="lt1"/>
+          </a:fontRef>
+        </p:style>
+        <p:txBody>
+          <a:bodyPr rtlCol="0" anchor="ctr"/>
+          <a:lstStyle/>
+          <a:p>
+            <a:pPr algn="ctr"/>
+            <a:endParaRPr lang="en-US"/>
+          </a:p>
+        </p:txBody>
+      </p:sp>
+      <p:sp>
+        <p:nvSpPr>
+          <p:cNvPr id="10" name="Vrije vorm: vorm 9">
+            <a:extLst>
+              <a:ext uri="{FF2B5EF4-FFF2-40B4-BE49-F238E27FC236}">
+                <a16:creationId xmlns:a16="http://schemas.microsoft.com/office/drawing/2014/main" id="{52C9C084-0095-43B5-86B8-788D96793B39}"/>
+              </a:ext>
+            </a:extLst>
+          </p:cNvPr>
+          <p:cNvSpPr/>
+          <p:nvPr/>
+        </p:nvSpPr>
+        <p:spPr>
+          <a:xfrm>
+            <a:off x="9132823" y="5451722"/>
+            <a:ext cx="901337" cy="386715"/>
+          </a:xfrm>
+          <a:custGeom>
+            <a:avLst/>
+            <a:gdLst>
+              <a:gd name="connsiteX0" fmla="*/ 849086 w 849086"/>
+              <a:gd name="connsiteY0" fmla="*/ 0 h 404948"/>
+              <a:gd name="connsiteX1" fmla="*/ 130629 w 849086"/>
+              <a:gd name="connsiteY1" fmla="*/ 39188 h 404948"/>
+              <a:gd name="connsiteX2" fmla="*/ 0 w 849086"/>
+              <a:gd name="connsiteY2" fmla="*/ 209005 h 404948"/>
+              <a:gd name="connsiteX3" fmla="*/ 209006 w 849086"/>
+              <a:gd name="connsiteY3" fmla="*/ 404948 h 404948"/>
+              <a:gd name="connsiteX4" fmla="*/ 809897 w 849086"/>
+              <a:gd name="connsiteY4" fmla="*/ 404948 h 404948"/>
+              <a:gd name="connsiteX5" fmla="*/ 849086 w 849086"/>
+              <a:gd name="connsiteY5" fmla="*/ 0 h 404948"/>
+              <a:gd name="connsiteX0" fmla="*/ 849086 w 903242"/>
+              <a:gd name="connsiteY0" fmla="*/ 0 h 418283"/>
+              <a:gd name="connsiteX1" fmla="*/ 130629 w 903242"/>
+              <a:gd name="connsiteY1" fmla="*/ 39188 h 418283"/>
+              <a:gd name="connsiteX2" fmla="*/ 0 w 903242"/>
+              <a:gd name="connsiteY2" fmla="*/ 209005 h 418283"/>
+              <a:gd name="connsiteX3" fmla="*/ 209006 w 903242"/>
+              <a:gd name="connsiteY3" fmla="*/ 404948 h 418283"/>
+              <a:gd name="connsiteX4" fmla="*/ 903242 w 903242"/>
+              <a:gd name="connsiteY4" fmla="*/ 418283 h 418283"/>
+              <a:gd name="connsiteX5" fmla="*/ 849086 w 903242"/>
+              <a:gd name="connsiteY5" fmla="*/ 0 h 418283"/>
+              <a:gd name="connsiteX0" fmla="*/ 902426 w 903242"/>
+              <a:gd name="connsiteY0" fmla="*/ 0 h 382088"/>
+              <a:gd name="connsiteX1" fmla="*/ 130629 w 903242"/>
+              <a:gd name="connsiteY1" fmla="*/ 2993 h 382088"/>
+              <a:gd name="connsiteX2" fmla="*/ 0 w 903242"/>
+              <a:gd name="connsiteY2" fmla="*/ 172810 h 382088"/>
+              <a:gd name="connsiteX3" fmla="*/ 209006 w 903242"/>
+              <a:gd name="connsiteY3" fmla="*/ 368753 h 382088"/>
+              <a:gd name="connsiteX4" fmla="*/ 903242 w 903242"/>
+              <a:gd name="connsiteY4" fmla="*/ 382088 h 382088"/>
+              <a:gd name="connsiteX5" fmla="*/ 902426 w 903242"/>
+              <a:gd name="connsiteY5" fmla="*/ 0 h 382088"/>
+              <a:gd name="connsiteX0" fmla="*/ 902426 w 903242"/>
+              <a:gd name="connsiteY0" fmla="*/ 0 h 391613"/>
+              <a:gd name="connsiteX1" fmla="*/ 130629 w 903242"/>
+              <a:gd name="connsiteY1" fmla="*/ 2993 h 391613"/>
+              <a:gd name="connsiteX2" fmla="*/ 0 w 903242"/>
+              <a:gd name="connsiteY2" fmla="*/ 172810 h 391613"/>
+              <a:gd name="connsiteX3" fmla="*/ 169001 w 903242"/>
+              <a:gd name="connsiteY3" fmla="*/ 391613 h 391613"/>
+              <a:gd name="connsiteX4" fmla="*/ 903242 w 903242"/>
+              <a:gd name="connsiteY4" fmla="*/ 382088 h 391613"/>
+              <a:gd name="connsiteX5" fmla="*/ 902426 w 903242"/>
+              <a:gd name="connsiteY5" fmla="*/ 0 h 391613"/>
+              <a:gd name="connsiteX0" fmla="*/ 902426 w 903242"/>
+              <a:gd name="connsiteY0" fmla="*/ 0 h 385898"/>
+              <a:gd name="connsiteX1" fmla="*/ 130629 w 903242"/>
+              <a:gd name="connsiteY1" fmla="*/ 2993 h 385898"/>
+              <a:gd name="connsiteX2" fmla="*/ 0 w 903242"/>
+              <a:gd name="connsiteY2" fmla="*/ 172810 h 385898"/>
+              <a:gd name="connsiteX3" fmla="*/ 167096 w 903242"/>
+              <a:gd name="connsiteY3" fmla="*/ 385898 h 385898"/>
+              <a:gd name="connsiteX4" fmla="*/ 903242 w 903242"/>
+              <a:gd name="connsiteY4" fmla="*/ 382088 h 385898"/>
+              <a:gd name="connsiteX5" fmla="*/ 902426 w 903242"/>
+              <a:gd name="connsiteY5" fmla="*/ 0 h 385898"/>
+              <a:gd name="connsiteX0" fmla="*/ 902426 w 903242"/>
+              <a:gd name="connsiteY0" fmla="*/ 0 h 385898"/>
+              <a:gd name="connsiteX1" fmla="*/ 183969 w 903242"/>
+              <a:gd name="connsiteY1" fmla="*/ 4898 h 385898"/>
+              <a:gd name="connsiteX2" fmla="*/ 0 w 903242"/>
+              <a:gd name="connsiteY2" fmla="*/ 172810 h 385898"/>
+              <a:gd name="connsiteX3" fmla="*/ 167096 w 903242"/>
+              <a:gd name="connsiteY3" fmla="*/ 385898 h 385898"/>
+              <a:gd name="connsiteX4" fmla="*/ 903242 w 903242"/>
+              <a:gd name="connsiteY4" fmla="*/ 382088 h 385898"/>
+              <a:gd name="connsiteX5" fmla="*/ 902426 w 903242"/>
+              <a:gd name="connsiteY5" fmla="*/ 0 h 385898"/>
+              <a:gd name="connsiteX0" fmla="*/ 902426 w 903242"/>
+              <a:gd name="connsiteY0" fmla="*/ 0 h 385898"/>
+              <a:gd name="connsiteX1" fmla="*/ 170634 w 903242"/>
+              <a:gd name="connsiteY1" fmla="*/ 4898 h 385898"/>
+              <a:gd name="connsiteX2" fmla="*/ 0 w 903242"/>
+              <a:gd name="connsiteY2" fmla="*/ 172810 h 385898"/>
+              <a:gd name="connsiteX3" fmla="*/ 167096 w 903242"/>
+              <a:gd name="connsiteY3" fmla="*/ 385898 h 385898"/>
+              <a:gd name="connsiteX4" fmla="*/ 903242 w 903242"/>
+              <a:gd name="connsiteY4" fmla="*/ 382088 h 385898"/>
+              <a:gd name="connsiteX5" fmla="*/ 902426 w 903242"/>
+              <a:gd name="connsiteY5" fmla="*/ 0 h 385898"/>
+              <a:gd name="connsiteX0" fmla="*/ 910046 w 910862"/>
+              <a:gd name="connsiteY0" fmla="*/ 0 h 385898"/>
+              <a:gd name="connsiteX1" fmla="*/ 178254 w 910862"/>
+              <a:gd name="connsiteY1" fmla="*/ 4898 h 385898"/>
+              <a:gd name="connsiteX2" fmla="*/ 0 w 910862"/>
+              <a:gd name="connsiteY2" fmla="*/ 195670 h 385898"/>
+              <a:gd name="connsiteX3" fmla="*/ 174716 w 910862"/>
+              <a:gd name="connsiteY3" fmla="*/ 385898 h 385898"/>
+              <a:gd name="connsiteX4" fmla="*/ 910862 w 910862"/>
+              <a:gd name="connsiteY4" fmla="*/ 382088 h 385898"/>
+              <a:gd name="connsiteX5" fmla="*/ 910046 w 910862"/>
+              <a:gd name="connsiteY5" fmla="*/ 0 h 385898"/>
+              <a:gd name="connsiteX0" fmla="*/ 900521 w 901337"/>
+              <a:gd name="connsiteY0" fmla="*/ 0 h 385898"/>
+              <a:gd name="connsiteX1" fmla="*/ 168729 w 901337"/>
+              <a:gd name="connsiteY1" fmla="*/ 4898 h 385898"/>
+              <a:gd name="connsiteX2" fmla="*/ 0 w 901337"/>
+              <a:gd name="connsiteY2" fmla="*/ 182335 h 385898"/>
+              <a:gd name="connsiteX3" fmla="*/ 165191 w 901337"/>
+              <a:gd name="connsiteY3" fmla="*/ 385898 h 385898"/>
+              <a:gd name="connsiteX4" fmla="*/ 901337 w 901337"/>
+              <a:gd name="connsiteY4" fmla="*/ 382088 h 385898"/>
+              <a:gd name="connsiteX5" fmla="*/ 900521 w 901337"/>
+              <a:gd name="connsiteY5" fmla="*/ 0 h 385898"/>
+              <a:gd name="connsiteX0" fmla="*/ 900521 w 901337"/>
+              <a:gd name="connsiteY0" fmla="*/ 2722 h 388620"/>
+              <a:gd name="connsiteX1" fmla="*/ 189684 w 901337"/>
+              <a:gd name="connsiteY1" fmla="*/ 0 h 388620"/>
+              <a:gd name="connsiteX2" fmla="*/ 0 w 901337"/>
+              <a:gd name="connsiteY2" fmla="*/ 185057 h 388620"/>
+              <a:gd name="connsiteX3" fmla="*/ 165191 w 901337"/>
+              <a:gd name="connsiteY3" fmla="*/ 388620 h 388620"/>
+              <a:gd name="connsiteX4" fmla="*/ 901337 w 901337"/>
+              <a:gd name="connsiteY4" fmla="*/ 384810 h 388620"/>
+              <a:gd name="connsiteX5" fmla="*/ 900521 w 901337"/>
+              <a:gd name="connsiteY5" fmla="*/ 2722 h 388620"/>
+              <a:gd name="connsiteX0" fmla="*/ 900521 w 901337"/>
+              <a:gd name="connsiteY0" fmla="*/ 2722 h 388620"/>
+              <a:gd name="connsiteX1" fmla="*/ 178254 w 901337"/>
+              <a:gd name="connsiteY1" fmla="*/ 0 h 388620"/>
+              <a:gd name="connsiteX2" fmla="*/ 0 w 901337"/>
+              <a:gd name="connsiteY2" fmla="*/ 185057 h 388620"/>
+              <a:gd name="connsiteX3" fmla="*/ 165191 w 901337"/>
+              <a:gd name="connsiteY3" fmla="*/ 388620 h 388620"/>
+              <a:gd name="connsiteX4" fmla="*/ 901337 w 901337"/>
+              <a:gd name="connsiteY4" fmla="*/ 384810 h 388620"/>
+              <a:gd name="connsiteX5" fmla="*/ 900521 w 901337"/>
+              <a:gd name="connsiteY5" fmla="*/ 2722 h 388620"/>
+              <a:gd name="connsiteX0" fmla="*/ 900521 w 901337"/>
+              <a:gd name="connsiteY0" fmla="*/ 2722 h 386715"/>
+              <a:gd name="connsiteX1" fmla="*/ 178254 w 901337"/>
+              <a:gd name="connsiteY1" fmla="*/ 0 h 386715"/>
+              <a:gd name="connsiteX2" fmla="*/ 0 w 901337"/>
+              <a:gd name="connsiteY2" fmla="*/ 185057 h 386715"/>
+              <a:gd name="connsiteX3" fmla="*/ 176621 w 901337"/>
+              <a:gd name="connsiteY3" fmla="*/ 386715 h 386715"/>
+              <a:gd name="connsiteX4" fmla="*/ 901337 w 901337"/>
+              <a:gd name="connsiteY4" fmla="*/ 384810 h 386715"/>
+              <a:gd name="connsiteX5" fmla="*/ 900521 w 901337"/>
+              <a:gd name="connsiteY5" fmla="*/ 2722 h 386715"/>
+            </a:gdLst>
+            <a:ahLst/>
+            <a:cxnLst>
+              <a:cxn ang="0">
+                <a:pos x="connsiteX0" y="connsiteY0"/>
+              </a:cxn>
+              <a:cxn ang="0">
+                <a:pos x="connsiteX1" y="connsiteY1"/>
+              </a:cxn>
+              <a:cxn ang="0">
+                <a:pos x="connsiteX2" y="connsiteY2"/>
+              </a:cxn>
+              <a:cxn ang="0">
+                <a:pos x="connsiteX3" y="connsiteY3"/>
+              </a:cxn>
+              <a:cxn ang="0">
+                <a:pos x="connsiteX4" y="connsiteY4"/>
+              </a:cxn>
+              <a:cxn ang="0">
+                <a:pos x="connsiteX5" y="connsiteY5"/>
+              </a:cxn>
+            </a:cxnLst>
+            <a:rect l="l" t="t" r="r" b="b"/>
+            <a:pathLst>
+              <a:path w="901337" h="386715">
+                <a:moveTo>
+                  <a:pt x="900521" y="2722"/>
+                </a:moveTo>
+                <a:lnTo>
+                  <a:pt x="178254" y="0"/>
+                </a:lnTo>
+                <a:lnTo>
+                  <a:pt x="0" y="185057"/>
+                </a:lnTo>
+                <a:lnTo>
+                  <a:pt x="176621" y="386715"/>
+                </a:lnTo>
+                <a:lnTo>
+                  <a:pt x="901337" y="384810"/>
+                </a:lnTo>
+                <a:lnTo>
+                  <a:pt x="900521" y="2722"/>
+                </a:lnTo>
+                <a:close/>
+              </a:path>
+            </a:pathLst>
+          </a:custGeom>
+          <a:noFill/>
+          <a:ln w="38100">
+            <a:solidFill>
+              <a:srgbClr val="00B050"/>
+            </a:solidFill>
+          </a:ln>
+        </p:spPr>
+        <p:style>
+          <a:lnRef idx="2">
+            <a:schemeClr val="accent1">
+              <a:shade val="50000"/>
+            </a:schemeClr>
+          </a:lnRef>
+          <a:fillRef idx="1">
+            <a:schemeClr val="accent1"/>
+          </a:fillRef>
+          <a:effectRef idx="0">
+            <a:schemeClr val="accent1"/>
+          </a:effectRef>
+          <a:fontRef idx="minor">
+            <a:schemeClr val="lt1"/>
+          </a:fontRef>
+        </p:style>
+        <p:txBody>
+          <a:bodyPr rtlCol="0" anchor="ctr"/>
+          <a:lstStyle/>
+          <a:p>
+            <a:pPr algn="ctr"/>
             <a:endParaRPr lang="en-US" dirty="0"/>
           </a:p>
         </p:txBody>
@@ -6252,7 +7683,261 @@
     </p:spTree>
     <p:extLst>
       <p:ext uri="{BB962C8B-B14F-4D97-AF65-F5344CB8AC3E}">
-        <p14:creationId xmlns:p14="http://schemas.microsoft.com/office/powerpoint/2010/main" val="2939930269"/>
+        <p14:creationId xmlns:p14="http://schemas.microsoft.com/office/powerpoint/2010/main" val="4247929053"/>
+      </p:ext>
+    </p:extLst>
+  </p:cSld>
+  <p:clrMapOvr>
+    <a:masterClrMapping/>
+  </p:clrMapOvr>
+</p:sld>
+</file>
+
+<file path=ppt/slides/slide9.xml><?xml version="1.0" encoding="utf-8"?>
+<p:sld xmlns:a="http://schemas.openxmlformats.org/drawingml/2006/main" xmlns:r="http://schemas.openxmlformats.org/officeDocument/2006/relationships" xmlns:p="http://schemas.openxmlformats.org/presentationml/2006/main">
+  <p:cSld>
+    <p:spTree>
+      <p:nvGrpSpPr>
+        <p:cNvPr id="1" name=""/>
+        <p:cNvGrpSpPr/>
+        <p:nvPr/>
+      </p:nvGrpSpPr>
+      <p:grpSpPr>
+        <a:xfrm>
+          <a:off x="0" y="0"/>
+          <a:ext cx="0" cy="0"/>
+          <a:chOff x="0" y="0"/>
+          <a:chExt cx="0" cy="0"/>
+        </a:xfrm>
+      </p:grpSpPr>
+      <p:sp>
+        <p:nvSpPr>
+          <p:cNvPr id="2" name="Titel 1">
+            <a:extLst>
+              <a:ext uri="{FF2B5EF4-FFF2-40B4-BE49-F238E27FC236}">
+                <a16:creationId xmlns:a16="http://schemas.microsoft.com/office/drawing/2014/main" id="{317B3024-592A-4EBC-920C-ECD08F72C2EA}"/>
+              </a:ext>
+            </a:extLst>
+          </p:cNvPr>
+          <p:cNvSpPr>
+            <a:spLocks noGrp="1"/>
+          </p:cNvSpPr>
+          <p:nvPr>
+            <p:ph type="title"/>
+          </p:nvPr>
+        </p:nvSpPr>
+        <p:spPr/>
+        <p:txBody>
+          <a:bodyPr/>
+          <a:lstStyle/>
+          <a:p>
+            <a:r>
+              <a:rPr lang="en-US" dirty="0"/>
+              <a:t>Remote repositories and cloning</a:t>
+            </a:r>
+          </a:p>
+        </p:txBody>
+      </p:sp>
+      <p:pic>
+        <p:nvPicPr>
+          <p:cNvPr id="4" name="Tijdelijke aanduiding voor inhoud 3">
+            <a:extLst>
+              <a:ext uri="{FF2B5EF4-FFF2-40B4-BE49-F238E27FC236}">
+                <a16:creationId xmlns:a16="http://schemas.microsoft.com/office/drawing/2014/main" id="{48981FB4-F163-473B-84C5-98307FF1D109}"/>
+              </a:ext>
+            </a:extLst>
+          </p:cNvPr>
+          <p:cNvPicPr>
+            <a:picLocks noChangeAspect="1"/>
+          </p:cNvPicPr>
+          <p:nvPr/>
+        </p:nvPicPr>
+        <p:blipFill>
+          <a:blip r:embed="rId2"/>
+          <a:stretch>
+            <a:fillRect/>
+          </a:stretch>
+        </p:blipFill>
+        <p:spPr>
+          <a:xfrm>
+            <a:off x="6096000" y="2144123"/>
+            <a:ext cx="5477671" cy="4433453"/>
+          </a:xfrm>
+          <a:prstGeom prst="rect">
+            <a:avLst/>
+          </a:prstGeom>
+          <a:effectLst>
+            <a:outerShdw blurRad="50800" dir="14400000">
+              <a:srgbClr val="000000">
+                <a:alpha val="40000"/>
+              </a:srgbClr>
+            </a:outerShdw>
+          </a:effectLst>
+        </p:spPr>
+      </p:pic>
+      <p:sp>
+        <p:nvSpPr>
+          <p:cNvPr id="6" name="Rechthoek 5">
+            <a:extLst>
+              <a:ext uri="{FF2B5EF4-FFF2-40B4-BE49-F238E27FC236}">
+                <a16:creationId xmlns:a16="http://schemas.microsoft.com/office/drawing/2014/main" id="{356B90B5-9E35-43AF-A119-3179D5EFE3CC}"/>
+              </a:ext>
+            </a:extLst>
+          </p:cNvPr>
+          <p:cNvSpPr/>
+          <p:nvPr/>
+        </p:nvSpPr>
+        <p:spPr>
+          <a:xfrm>
+            <a:off x="6096000" y="2144123"/>
+            <a:ext cx="1423851" cy="4401307"/>
+          </a:xfrm>
+          <a:prstGeom prst="rect">
+            <a:avLst/>
+          </a:prstGeom>
+          <a:noFill/>
+          <a:ln w="38100">
+            <a:solidFill>
+              <a:srgbClr val="FF0000"/>
+            </a:solidFill>
+          </a:ln>
+        </p:spPr>
+        <p:style>
+          <a:lnRef idx="2">
+            <a:schemeClr val="accent1">
+              <a:shade val="50000"/>
+            </a:schemeClr>
+          </a:lnRef>
+          <a:fillRef idx="1">
+            <a:schemeClr val="accent1"/>
+          </a:fillRef>
+          <a:effectRef idx="0">
+            <a:schemeClr val="accent1"/>
+          </a:effectRef>
+          <a:fontRef idx="minor">
+            <a:schemeClr val="lt1"/>
+          </a:fontRef>
+        </p:style>
+        <p:txBody>
+          <a:bodyPr rtlCol="0" anchor="ctr"/>
+          <a:lstStyle/>
+          <a:p>
+            <a:pPr algn="ctr"/>
+            <a:endParaRPr lang="en-US">
+              <a:solidFill>
+                <a:srgbClr val="FF0000"/>
+              </a:solidFill>
+            </a:endParaRPr>
+          </a:p>
+        </p:txBody>
+      </p:sp>
+      <p:sp>
+        <p:nvSpPr>
+          <p:cNvPr id="7" name="Tijdelijke aanduiding voor inhoud 2">
+            <a:extLst>
+              <a:ext uri="{FF2B5EF4-FFF2-40B4-BE49-F238E27FC236}">
+                <a16:creationId xmlns:a16="http://schemas.microsoft.com/office/drawing/2014/main" id="{983A6BD6-DD0F-463C-A3CB-CB4A6403C3AB}"/>
+              </a:ext>
+            </a:extLst>
+          </p:cNvPr>
+          <p:cNvSpPr>
+            <a:spLocks noGrp="1"/>
+          </p:cNvSpPr>
+          <p:nvPr>
+            <p:ph idx="1"/>
+          </p:nvPr>
+        </p:nvSpPr>
+        <p:spPr>
+          <a:xfrm>
+            <a:off x="827424" y="2131060"/>
+            <a:ext cx="5142302" cy="3636511"/>
+          </a:xfrm>
+        </p:spPr>
+        <p:txBody>
+          <a:bodyPr/>
+          <a:lstStyle/>
+          <a:p>
+            <a:r>
+              <a:rPr lang="en-US" dirty="0"/>
+              <a:t>Remote access git repositories possible</a:t>
+            </a:r>
+          </a:p>
+          <a:p>
+            <a:pPr lvl="1"/>
+            <a:r>
+              <a:rPr lang="en-US" dirty="0" err="1"/>
+              <a:t>Github</a:t>
+            </a:r>
+            <a:endParaRPr lang="en-US" dirty="0"/>
+          </a:p>
+          <a:p>
+            <a:r>
+              <a:rPr lang="en-US" dirty="0"/>
+              <a:t>Clone: local copy </a:t>
+            </a:r>
+          </a:p>
+        </p:txBody>
+      </p:sp>
+      <p:sp>
+        <p:nvSpPr>
+          <p:cNvPr id="11" name="Rechthoek 10">
+            <a:extLst>
+              <a:ext uri="{FF2B5EF4-FFF2-40B4-BE49-F238E27FC236}">
+                <a16:creationId xmlns:a16="http://schemas.microsoft.com/office/drawing/2014/main" id="{DE0085FE-44A7-4803-95C5-65AFFA15558E}"/>
+              </a:ext>
+            </a:extLst>
+          </p:cNvPr>
+          <p:cNvSpPr/>
+          <p:nvPr/>
+        </p:nvSpPr>
+        <p:spPr>
+          <a:xfrm>
+            <a:off x="7596040" y="2144123"/>
+            <a:ext cx="1238795" cy="2807640"/>
+          </a:xfrm>
+          <a:prstGeom prst="rect">
+            <a:avLst/>
+          </a:prstGeom>
+          <a:noFill/>
+          <a:ln w="38100">
+            <a:solidFill>
+              <a:srgbClr val="FF0000"/>
+            </a:solidFill>
+          </a:ln>
+        </p:spPr>
+        <p:style>
+          <a:lnRef idx="2">
+            <a:schemeClr val="accent1">
+              <a:shade val="50000"/>
+            </a:schemeClr>
+          </a:lnRef>
+          <a:fillRef idx="1">
+            <a:schemeClr val="accent1"/>
+          </a:fillRef>
+          <a:effectRef idx="0">
+            <a:schemeClr val="accent1"/>
+          </a:effectRef>
+          <a:fontRef idx="minor">
+            <a:schemeClr val="lt1"/>
+          </a:fontRef>
+        </p:style>
+        <p:txBody>
+          <a:bodyPr rtlCol="0" anchor="ctr"/>
+          <a:lstStyle/>
+          <a:p>
+            <a:pPr algn="ctr"/>
+            <a:endParaRPr lang="en-US">
+              <a:solidFill>
+                <a:srgbClr val="FF0000"/>
+              </a:solidFill>
+            </a:endParaRPr>
+          </a:p>
+        </p:txBody>
+      </p:sp>
+    </p:spTree>
+    <p:extLst>
+      <p:ext uri="{BB962C8B-B14F-4D97-AF65-F5344CB8AC3E}">
+        <p14:creationId xmlns:p14="http://schemas.microsoft.com/office/powerpoint/2010/main" val="1841590368"/>
       </p:ext>
     </p:extLst>
   </p:cSld>
